--- a/lesson01.pptx
+++ b/lesson01.pptx
@@ -5,7 +5,7 @@
     <p:sldMasterId id="2147483648" r:id="rId1"/>
   </p:sldMasterIdLst>
   <p:notesMasterIdLst>
-    <p:notesMasterId r:id="rId32"/>
+    <p:notesMasterId r:id="rId31"/>
   </p:notesMasterIdLst>
   <p:sldIdLst>
     <p:sldId id="257" r:id="rId2"/>
@@ -24,20 +24,19 @@
     <p:sldId id="275" r:id="rId15"/>
     <p:sldId id="276" r:id="rId16"/>
     <p:sldId id="277" r:id="rId17"/>
-    <p:sldId id="278" r:id="rId18"/>
-    <p:sldId id="279" r:id="rId19"/>
-    <p:sldId id="280" r:id="rId20"/>
-    <p:sldId id="281" r:id="rId21"/>
-    <p:sldId id="284" r:id="rId22"/>
-    <p:sldId id="285" r:id="rId23"/>
-    <p:sldId id="286" r:id="rId24"/>
-    <p:sldId id="287" r:id="rId25"/>
-    <p:sldId id="288" r:id="rId26"/>
-    <p:sldId id="290" r:id="rId27"/>
-    <p:sldId id="292" r:id="rId28"/>
-    <p:sldId id="293" r:id="rId29"/>
-    <p:sldId id="294" r:id="rId30"/>
-    <p:sldId id="295" r:id="rId31"/>
+    <p:sldId id="279" r:id="rId18"/>
+    <p:sldId id="280" r:id="rId19"/>
+    <p:sldId id="281" r:id="rId20"/>
+    <p:sldId id="284" r:id="rId21"/>
+    <p:sldId id="285" r:id="rId22"/>
+    <p:sldId id="286" r:id="rId23"/>
+    <p:sldId id="287" r:id="rId24"/>
+    <p:sldId id="288" r:id="rId25"/>
+    <p:sldId id="290" r:id="rId26"/>
+    <p:sldId id="292" r:id="rId27"/>
+    <p:sldId id="293" r:id="rId28"/>
+    <p:sldId id="294" r:id="rId29"/>
+    <p:sldId id="295" r:id="rId30"/>
   </p:sldIdLst>
   <p:sldSz cx="12192000" cy="6858000"/>
   <p:notesSz cx="6858000" cy="9144000"/>
@@ -157,7 +156,6 @@
             <p14:sldId id="275"/>
             <p14:sldId id="276"/>
             <p14:sldId id="277"/>
-            <p14:sldId id="278"/>
             <p14:sldId id="279"/>
             <p14:sldId id="280"/>
             <p14:sldId id="281"/>
@@ -1084,7 +1082,7 @@
   <pc:docChgLst>
     <pc:chgData name="Anatoliy Kigel" userId="7432c6c4687b0a9c" providerId="LiveId" clId="{CA8445F3-1721-41E0-9FA8-F5B325354B7C}"/>
     <pc:docChg chg="delSld modSld modSection">
-      <pc:chgData name="Anatoliy Kigel" userId="7432c6c4687b0a9c" providerId="LiveId" clId="{CA8445F3-1721-41E0-9FA8-F5B325354B7C}" dt="2024-06-21T17:18:15.865" v="42" actId="47"/>
+      <pc:chgData name="Anatoliy Kigel" userId="7432c6c4687b0a9c" providerId="LiveId" clId="{CA8445F3-1721-41E0-9FA8-F5B325354B7C}" dt="2024-06-22T06:59:40.934" v="43" actId="47"/>
       <pc:docMkLst>
         <pc:docMk/>
       </pc:docMkLst>
@@ -1110,6 +1108,13 @@
             <ac:spMk id="10" creationId="{00000000-0000-0000-0000-000000000000}"/>
           </ac:spMkLst>
         </pc:spChg>
+      </pc:sldChg>
+      <pc:sldChg chg="del">
+        <pc:chgData name="Anatoliy Kigel" userId="7432c6c4687b0a9c" providerId="LiveId" clId="{CA8445F3-1721-41E0-9FA8-F5B325354B7C}" dt="2024-06-22T06:59:40.934" v="43" actId="47"/>
+        <pc:sldMkLst>
+          <pc:docMk/>
+          <pc:sldMk cId="1803617629" sldId="278"/>
+        </pc:sldMkLst>
       </pc:sldChg>
       <pc:sldChg chg="modSp mod">
         <pc:chgData name="Anatoliy Kigel" userId="7432c6c4687b0a9c" providerId="LiveId" clId="{CA8445F3-1721-41E0-9FA8-F5B325354B7C}" dt="2024-06-21T17:17:40.784" v="29" actId="1037"/>
@@ -2320,7 +2325,7 @@
             <a:fld id="{85522811-C5C6-42D2-A409-F8556720C93F}" type="datetimeFigureOut">
               <a:rPr lang="uk-UA" smtClean="0"/>
               <a:pPr/>
-              <a:t>21.06.2024</a:t>
+              <a:t>22.06.2024</a:t>
             </a:fld>
             <a:endParaRPr lang="uk-UA"/>
           </a:p>
@@ -2851,7 +2856,7 @@
             <a:fld id="{B2668688-711B-4328-ACFB-54B46FA90133}" type="slidenum">
               <a:rPr lang="uk-UA" smtClean="0"/>
               <a:pPr/>
-              <a:t>19</a:t>
+              <a:t>18</a:t>
             </a:fld>
             <a:endParaRPr lang="uk-UA"/>
           </a:p>
@@ -2947,7 +2952,7 @@
             <a:fld id="{B2668688-711B-4328-ACFB-54B46FA90133}" type="slidenum">
               <a:rPr lang="uk-UA" smtClean="0"/>
               <a:pPr/>
-              <a:t>20</a:t>
+              <a:t>19</a:t>
             </a:fld>
             <a:endParaRPr lang="uk-UA"/>
           </a:p>
@@ -3148,7 +3153,7 @@
             <a:fld id="{E6FC6B0D-6115-4D7C-8040-9C8E2349BB6E}" type="datetime1">
               <a:rPr lang="uk-UA" smtClean="0"/>
               <a:pPr/>
-              <a:t>21.06.2024</a:t>
+              <a:t>22.06.2024</a:t>
             </a:fld>
             <a:endParaRPr lang="uk-UA"/>
           </a:p>
@@ -3315,7 +3320,7 @@
             <a:fld id="{996367BA-0A39-4DE2-BFC3-D5290044365E}" type="datetime1">
               <a:rPr lang="uk-UA" smtClean="0"/>
               <a:pPr/>
-              <a:t>21.06.2024</a:t>
+              <a:t>22.06.2024</a:t>
             </a:fld>
             <a:endParaRPr lang="uk-UA"/>
           </a:p>
@@ -3492,7 +3497,7 @@
             <a:fld id="{1BD6A67F-6C29-47DC-AF8A-FDB3C787DF70}" type="datetime1">
               <a:rPr lang="uk-UA" smtClean="0"/>
               <a:pPr/>
-              <a:t>21.06.2024</a:t>
+              <a:t>22.06.2024</a:t>
             </a:fld>
             <a:endParaRPr lang="uk-UA"/>
           </a:p>
@@ -3659,7 +3664,7 @@
             <a:fld id="{1657D9C5-7FF1-434F-B56E-9BAD559744E9}" type="datetime1">
               <a:rPr lang="uk-UA" smtClean="0"/>
               <a:pPr/>
-              <a:t>21.06.2024</a:t>
+              <a:t>22.06.2024</a:t>
             </a:fld>
             <a:endParaRPr lang="uk-UA"/>
           </a:p>
@@ -3902,7 +3907,7 @@
             <a:fld id="{2CEB0FC9-DE63-476B-A1A9-BE934D9049F8}" type="datetime1">
               <a:rPr lang="uk-UA" smtClean="0"/>
               <a:pPr/>
-              <a:t>21.06.2024</a:t>
+              <a:t>22.06.2024</a:t>
             </a:fld>
             <a:endParaRPr lang="uk-UA"/>
           </a:p>
@@ -4187,7 +4192,7 @@
             <a:fld id="{F964460F-86E2-4DF6-9D0F-12F5005CF375}" type="datetime1">
               <a:rPr lang="uk-UA" smtClean="0"/>
               <a:pPr/>
-              <a:t>21.06.2024</a:t>
+              <a:t>22.06.2024</a:t>
             </a:fld>
             <a:endParaRPr lang="uk-UA"/>
           </a:p>
@@ -4606,7 +4611,7 @@
             <a:fld id="{C521715E-DDCD-4267-B0A5-2918B6F6768A}" type="datetime1">
               <a:rPr lang="uk-UA" smtClean="0"/>
               <a:pPr/>
-              <a:t>21.06.2024</a:t>
+              <a:t>22.06.2024</a:t>
             </a:fld>
             <a:endParaRPr lang="uk-UA"/>
           </a:p>
@@ -4721,7 +4726,7 @@
             <a:fld id="{9289842C-EB2D-4EBB-A272-2F6A49D9794D}" type="datetime1">
               <a:rPr lang="uk-UA" smtClean="0"/>
               <a:pPr/>
-              <a:t>21.06.2024</a:t>
+              <a:t>22.06.2024</a:t>
             </a:fld>
             <a:endParaRPr lang="uk-UA"/>
           </a:p>
@@ -4813,7 +4818,7 @@
             <a:fld id="{D036F091-B700-4B52-99AC-85D0FD94D904}" type="datetime1">
               <a:rPr lang="uk-UA" smtClean="0"/>
               <a:pPr/>
-              <a:t>21.06.2024</a:t>
+              <a:t>22.06.2024</a:t>
             </a:fld>
             <a:endParaRPr lang="uk-UA"/>
           </a:p>
@@ -5087,7 +5092,7 @@
             <a:fld id="{B35DFABA-3811-4634-B803-2EAC4CD0063B}" type="datetime1">
               <a:rPr lang="uk-UA" smtClean="0"/>
               <a:pPr/>
-              <a:t>21.06.2024</a:t>
+              <a:t>22.06.2024</a:t>
             </a:fld>
             <a:endParaRPr lang="uk-UA"/>
           </a:p>
@@ -5337,7 +5342,7 @@
             <a:fld id="{8A9EA25E-F88E-463A-A119-D1E55A881002}" type="datetime1">
               <a:rPr lang="uk-UA" smtClean="0"/>
               <a:pPr/>
-              <a:t>21.06.2024</a:t>
+              <a:t>22.06.2024</a:t>
             </a:fld>
             <a:endParaRPr lang="uk-UA"/>
           </a:p>
@@ -5547,7 +5552,7 @@
             <a:fld id="{E708ED03-0080-49A2-B709-7DA4ACB3A1C3}" type="datetime1">
               <a:rPr lang="uk-UA" smtClean="0"/>
               <a:pPr/>
-              <a:t>21.06.2024</a:t>
+              <a:t>22.06.2024</a:t>
             </a:fld>
             <a:endParaRPr lang="uk-UA"/>
           </a:p>
@@ -8633,7 +8638,141 @@
       </p:grpSpPr>
       <p:sp>
         <p:nvSpPr>
-          <p:cNvPr id="20" name="Номер слайда 36"/>
+          <p:cNvPr id="5" name="TextBox 4"/>
+          <p:cNvSpPr txBox="1"/>
+          <p:nvPr/>
+        </p:nvSpPr>
+        <p:spPr>
+          <a:xfrm>
+            <a:off x="0" y="777478"/>
+            <a:ext cx="12192000" cy="923330"/>
+          </a:xfrm>
+          <a:prstGeom prst="rect">
+            <a:avLst/>
+          </a:prstGeom>
+          <a:noFill/>
+        </p:spPr>
+        <p:txBody>
+          <a:bodyPr wrap="square" rtlCol="0">
+            <a:spAutoFit/>
+          </a:bodyPr>
+          <a:lstStyle/>
+          <a:p>
+            <a:pPr algn="ctr"/>
+            <a:r>
+              <a:rPr lang="uk-UA" sz="5400" b="1" dirty="0"/>
+              <a:t>Заголовки, параграф</a:t>
+            </a:r>
+            <a:r>
+              <a:rPr lang="ru-RU" sz="5400" b="1" dirty="0"/>
+              <a:t>ы, строки…</a:t>
+            </a:r>
+            <a:endParaRPr lang="uk-UA" sz="5400" b="1" dirty="0"/>
+          </a:p>
+        </p:txBody>
+      </p:sp>
+      <p:sp>
+        <p:nvSpPr>
+          <p:cNvPr id="6" name="TextBox 5"/>
+          <p:cNvSpPr txBox="1"/>
+          <p:nvPr/>
+        </p:nvSpPr>
+        <p:spPr>
+          <a:xfrm>
+            <a:off x="2063552" y="2780928"/>
+            <a:ext cx="8640960" cy="1938992"/>
+          </a:xfrm>
+          <a:prstGeom prst="rect">
+            <a:avLst/>
+          </a:prstGeom>
+          <a:noFill/>
+        </p:spPr>
+        <p:txBody>
+          <a:bodyPr wrap="square" rtlCol="0">
+            <a:spAutoFit/>
+          </a:bodyPr>
+          <a:lstStyle/>
+          <a:p>
+            <a:r>
+              <a:rPr lang="en-US" sz="4000" b="1" dirty="0">
+                <a:latin typeface="Courier New" pitchFamily="49" charset="0"/>
+                <a:cs typeface="Courier New" pitchFamily="49" charset="0"/>
+              </a:rPr>
+              <a:t>&lt;p&gt;, &lt;h1&gt;</a:t>
+            </a:r>
+            <a:r>
+              <a:rPr lang="ru-RU" sz="4000" b="1" dirty="0">
+                <a:latin typeface="Courier New" pitchFamily="49" charset="0"/>
+                <a:cs typeface="Courier New" pitchFamily="49" charset="0"/>
+              </a:rPr>
+              <a:t>-</a:t>
+            </a:r>
+            <a:r>
+              <a:rPr lang="en-US" sz="4000" b="1" dirty="0">
+                <a:latin typeface="Courier New" pitchFamily="49" charset="0"/>
+                <a:cs typeface="Courier New" pitchFamily="49" charset="0"/>
+              </a:rPr>
+              <a:t>&lt;h6&gt;, &lt;div&gt;</a:t>
+            </a:r>
+            <a:r>
+              <a:rPr lang="ru-RU" sz="4000" b="1" dirty="0">
+                <a:latin typeface="Courier New" pitchFamily="49" charset="0"/>
+                <a:cs typeface="Courier New" pitchFamily="49" charset="0"/>
+              </a:rPr>
+              <a:t>, </a:t>
+            </a:r>
+            <a:r>
+              <a:rPr lang="en-US" sz="4000" b="1" dirty="0">
+                <a:latin typeface="Courier New" pitchFamily="49" charset="0"/>
+                <a:cs typeface="Courier New" pitchFamily="49" charset="0"/>
+              </a:rPr>
+              <a:t>&lt;b&gt;, &lt;</a:t>
+            </a:r>
+            <a:r>
+              <a:rPr lang="en-US" sz="4000" b="1" dirty="0" err="1">
+                <a:latin typeface="Courier New" pitchFamily="49" charset="0"/>
+                <a:cs typeface="Courier New" pitchFamily="49" charset="0"/>
+              </a:rPr>
+              <a:t>i</a:t>
+            </a:r>
+            <a:r>
+              <a:rPr lang="en-US" sz="4000" b="1" dirty="0">
+                <a:latin typeface="Courier New" pitchFamily="49" charset="0"/>
+                <a:cs typeface="Courier New" pitchFamily="49" charset="0"/>
+              </a:rPr>
+              <a:t>&gt;, &lt;u&gt;, &lt;a&gt;, &lt;</a:t>
+            </a:r>
+            <a:r>
+              <a:rPr lang="en-US" sz="4000" b="1" dirty="0" err="1">
+                <a:latin typeface="Courier New" pitchFamily="49" charset="0"/>
+                <a:cs typeface="Courier New" pitchFamily="49" charset="0"/>
+              </a:rPr>
+              <a:t>img</a:t>
+            </a:r>
+            <a:r>
+              <a:rPr lang="en-US" sz="4000" b="1" dirty="0">
+                <a:latin typeface="Courier New" pitchFamily="49" charset="0"/>
+                <a:cs typeface="Courier New" pitchFamily="49" charset="0"/>
+              </a:rPr>
+              <a:t>&gt;, &lt;span&gt;</a:t>
+            </a:r>
+            <a:r>
+              <a:rPr lang="ru-RU" sz="4000" b="1" dirty="0">
+                <a:latin typeface="Courier New" pitchFamily="49" charset="0"/>
+                <a:cs typeface="Courier New" pitchFamily="49" charset="0"/>
+              </a:rPr>
+              <a:t>...</a:t>
+            </a:r>
+            <a:endParaRPr lang="uk-UA" sz="3200" b="1" dirty="0">
+              <a:latin typeface="Courier New" pitchFamily="49" charset="0"/>
+              <a:cs typeface="Courier New" pitchFamily="49" charset="0"/>
+            </a:endParaRPr>
+          </a:p>
+        </p:txBody>
+      </p:sp>
+      <p:sp>
+        <p:nvSpPr>
+          <p:cNvPr id="9" name="Номер слайда 36"/>
           <p:cNvSpPr txBox="1">
             <a:spLocks/>
           </p:cNvSpPr>
@@ -8641,7 +8780,7 @@
         </p:nvSpPr>
         <p:spPr>
           <a:xfrm>
-            <a:off x="11064552" y="6093296"/>
+            <a:off x="11136560" y="6165304"/>
             <a:ext cx="648072" cy="432048"/>
           </a:xfrm>
           <a:prstGeom prst="roundRect">
@@ -8701,89 +8840,10 @@
           </a:p>
         </p:txBody>
       </p:sp>
-      <p:pic>
-        <p:nvPicPr>
-          <p:cNvPr id="12290" name="Picture 2"/>
-          <p:cNvPicPr>
-            <a:picLocks noChangeAspect="1" noChangeArrowheads="1"/>
-          </p:cNvPicPr>
-          <p:nvPr/>
-        </p:nvPicPr>
-        <p:blipFill>
-          <a:blip r:embed="rId2" cstate="print"/>
-          <a:srcRect/>
-          <a:stretch>
-            <a:fillRect/>
-          </a:stretch>
-        </p:blipFill>
-        <p:spPr bwMode="auto">
-          <a:xfrm>
-            <a:off x="1847528" y="1340767"/>
-            <a:ext cx="8740779" cy="5313823"/>
-          </a:xfrm>
-          <a:prstGeom prst="rect">
-            <a:avLst/>
-          </a:prstGeom>
-          <a:noFill/>
-          <a:ln w="28575">
-            <a:noFill/>
-            <a:miter lim="800000"/>
-            <a:headEnd/>
-            <a:tailEnd/>
-          </a:ln>
-        </p:spPr>
-      </p:pic>
-      <p:sp>
-        <p:nvSpPr>
-          <p:cNvPr id="7" name="TextBox 6"/>
-          <p:cNvSpPr txBox="1"/>
-          <p:nvPr/>
-        </p:nvSpPr>
-        <p:spPr>
-          <a:xfrm>
-            <a:off x="0" y="334398"/>
-            <a:ext cx="12192000" cy="646331"/>
-          </a:xfrm>
-          <a:prstGeom prst="rect">
-            <a:avLst/>
-          </a:prstGeom>
-          <a:noFill/>
-        </p:spPr>
-        <p:txBody>
-          <a:bodyPr wrap="square" rtlCol="0">
-            <a:spAutoFit/>
-          </a:bodyPr>
-          <a:lstStyle/>
-          <a:p>
-            <a:pPr algn="ctr"/>
-            <a:r>
-              <a:rPr lang="ru-RU" sz="3600" b="1" dirty="0"/>
-              <a:t>Древовидная</a:t>
-            </a:r>
-            <a:r>
-              <a:rPr lang="en-US" sz="3600" b="1" dirty="0"/>
-              <a:t> </a:t>
-            </a:r>
-            <a:r>
-              <a:rPr lang="ru-RU" sz="3600" b="1" dirty="0"/>
-              <a:t>структура </a:t>
-            </a:r>
-            <a:r>
-              <a:rPr lang="en-US" sz="3600" b="1" dirty="0"/>
-              <a:t>HTML</a:t>
-            </a:r>
-            <a:r>
-              <a:rPr lang="ru-RU" sz="3600" b="1" dirty="0"/>
-              <a:t> документа</a:t>
-            </a:r>
-            <a:endParaRPr lang="uk-UA" sz="2800" b="1" dirty="0"/>
-          </a:p>
-        </p:txBody>
-      </p:sp>
     </p:spTree>
     <p:extLst>
       <p:ext uri="{BB962C8B-B14F-4D97-AF65-F5344CB8AC3E}">
-        <p14:creationId xmlns:p14="http://schemas.microsoft.com/office/powerpoint/2010/main" val="1803617629"/>
+        <p14:creationId xmlns:p14="http://schemas.microsoft.com/office/powerpoint/2010/main" val="2745726497"/>
       </p:ext>
     </p:extLst>
   </p:cSld>
@@ -8812,14 +8872,14 @@
       </p:grpSpPr>
       <p:sp>
         <p:nvSpPr>
-          <p:cNvPr id="5" name="TextBox 4"/>
+          <p:cNvPr id="3" name="TextBox 2"/>
           <p:cNvSpPr txBox="1"/>
           <p:nvPr/>
         </p:nvSpPr>
         <p:spPr>
           <a:xfrm>
-            <a:off x="0" y="777478"/>
-            <a:ext cx="12192000" cy="923330"/>
+            <a:off x="0" y="404665"/>
+            <a:ext cx="12192000" cy="769441"/>
           </a:xfrm>
           <a:prstGeom prst="rect">
             <a:avLst/>
@@ -8834,27 +8894,23 @@
           <a:p>
             <a:pPr algn="ctr"/>
             <a:r>
-              <a:rPr lang="uk-UA" sz="5400" b="1" dirty="0"/>
-              <a:t>Заголовки, параграф</a:t>
-            </a:r>
-            <a:r>
-              <a:rPr lang="ru-RU" sz="5400" b="1" dirty="0"/>
-              <a:t>ы, строки…</a:t>
-            </a:r>
-            <a:endParaRPr lang="uk-UA" sz="5400" b="1" dirty="0"/>
-          </a:p>
-        </p:txBody>
-      </p:sp>
-      <p:sp>
-        <p:nvSpPr>
-          <p:cNvPr id="6" name="TextBox 5"/>
+              <a:rPr lang="ru-RU" sz="4400" b="1" dirty="0"/>
+              <a:t>Тег для вставки изображений</a:t>
+            </a:r>
+            <a:endParaRPr lang="uk-UA" sz="4400" b="1" dirty="0"/>
+          </a:p>
+        </p:txBody>
+      </p:sp>
+      <p:sp>
+        <p:nvSpPr>
+          <p:cNvPr id="7" name="TextBox 6"/>
           <p:cNvSpPr txBox="1"/>
           <p:nvPr/>
         </p:nvSpPr>
         <p:spPr>
           <a:xfrm>
-            <a:off x="2063552" y="2780928"/>
-            <a:ext cx="8640960" cy="1938992"/>
+            <a:off x="1524000" y="2132856"/>
+            <a:ext cx="9144000" cy="707886"/>
           </a:xfrm>
           <a:prstGeom prst="rect">
             <a:avLst/>
@@ -8867,79 +8923,97 @@
           </a:bodyPr>
           <a:lstStyle/>
           <a:p>
+            <a:pPr algn="ctr"/>
             <a:r>
               <a:rPr lang="en-US" sz="4000" b="1" dirty="0">
-                <a:latin typeface="Courier New" pitchFamily="49" charset="0"/>
-                <a:cs typeface="Courier New" pitchFamily="49" charset="0"/>
-              </a:rPr>
-              <a:t>&lt;p&gt;, &lt;h1&gt;</a:t>
+                <a:solidFill>
+                  <a:srgbClr val="0070C0"/>
+                </a:solidFill>
+              </a:rPr>
+              <a:t>&lt;</a:t>
+            </a:r>
+            <a:r>
+              <a:rPr lang="en-US" sz="4000" b="1" dirty="0" err="1">
+                <a:solidFill>
+                  <a:srgbClr val="0070C0"/>
+                </a:solidFill>
+              </a:rPr>
+              <a:t>img</a:t>
             </a:r>
             <a:r>
               <a:rPr lang="ru-RU" sz="4000" b="1" dirty="0">
-                <a:latin typeface="Courier New" pitchFamily="49" charset="0"/>
-                <a:cs typeface="Courier New" pitchFamily="49" charset="0"/>
-              </a:rPr>
-              <a:t>-</a:t>
+                <a:solidFill>
+                  <a:srgbClr val="0070C0"/>
+                </a:solidFill>
+              </a:rPr>
+              <a:t> </a:t>
+            </a:r>
+            <a:r>
+              <a:rPr lang="en-US" sz="4000" b="1" dirty="0" err="1">
+                <a:solidFill>
+                  <a:srgbClr val="00B050"/>
+                </a:solidFill>
+              </a:rPr>
+              <a:t>src</a:t>
             </a:r>
             <a:r>
               <a:rPr lang="en-US" sz="4000" b="1" dirty="0">
-                <a:latin typeface="Courier New" pitchFamily="49" charset="0"/>
-                <a:cs typeface="Courier New" pitchFamily="49" charset="0"/>
-              </a:rPr>
-              <a:t>&lt;h6&gt;, &lt;div&gt;</a:t>
+                <a:solidFill>
+                  <a:srgbClr val="00B050"/>
+                </a:solidFill>
+              </a:rPr>
+              <a:t>=“./cat.jpg”</a:t>
             </a:r>
             <a:r>
               <a:rPr lang="ru-RU" sz="4000" b="1" dirty="0">
-                <a:latin typeface="Courier New" pitchFamily="49" charset="0"/>
-                <a:cs typeface="Courier New" pitchFamily="49" charset="0"/>
-              </a:rPr>
-              <a:t>, </a:t>
+                <a:solidFill>
+                  <a:srgbClr val="00B050"/>
+                </a:solidFill>
+              </a:rPr>
+              <a:t> </a:t>
             </a:r>
             <a:r>
               <a:rPr lang="en-US" sz="4000" b="1" dirty="0">
-                <a:latin typeface="Courier New" pitchFamily="49" charset="0"/>
-                <a:cs typeface="Courier New" pitchFamily="49" charset="0"/>
-              </a:rPr>
-              <a:t>&lt;b&gt;, &lt;</a:t>
-            </a:r>
-            <a:r>
-              <a:rPr lang="en-US" sz="4000" b="1" dirty="0" err="1">
-                <a:latin typeface="Courier New" pitchFamily="49" charset="0"/>
-                <a:cs typeface="Courier New" pitchFamily="49" charset="0"/>
-              </a:rPr>
-              <a:t>i</a:t>
+                <a:solidFill>
+                  <a:schemeClr val="accent6">
+                    <a:lumMod val="75000"/>
+                  </a:schemeClr>
+                </a:solidFill>
+              </a:rPr>
+              <a:t>alt=“</a:t>
+            </a:r>
+            <a:r>
+              <a:rPr lang="ru-RU" sz="4000" b="1" dirty="0">
+                <a:solidFill>
+                  <a:schemeClr val="accent6">
+                    <a:lumMod val="75000"/>
+                  </a:schemeClr>
+                </a:solidFill>
+              </a:rPr>
+              <a:t>Это кот</a:t>
             </a:r>
             <a:r>
               <a:rPr lang="en-US" sz="4000" b="1" dirty="0">
-                <a:latin typeface="Courier New" pitchFamily="49" charset="0"/>
-                <a:cs typeface="Courier New" pitchFamily="49" charset="0"/>
-              </a:rPr>
-              <a:t>&gt;, &lt;u&gt;, &lt;a&gt;, &lt;</a:t>
-            </a:r>
-            <a:r>
-              <a:rPr lang="en-US" sz="4000" b="1" dirty="0" err="1">
-                <a:latin typeface="Courier New" pitchFamily="49" charset="0"/>
-                <a:cs typeface="Courier New" pitchFamily="49" charset="0"/>
-              </a:rPr>
-              <a:t>img</a:t>
+                <a:solidFill>
+                  <a:schemeClr val="accent6">
+                    <a:lumMod val="75000"/>
+                  </a:schemeClr>
+                </a:solidFill>
+              </a:rPr>
+              <a:t>”</a:t>
             </a:r>
             <a:r>
               <a:rPr lang="en-US" sz="4000" b="1" dirty="0">
-                <a:latin typeface="Courier New" pitchFamily="49" charset="0"/>
-                <a:cs typeface="Courier New" pitchFamily="49" charset="0"/>
-              </a:rPr>
-              <a:t>&gt;, &lt;span&gt;</a:t>
-            </a:r>
-            <a:r>
-              <a:rPr lang="ru-RU" sz="4000" b="1" dirty="0">
-                <a:latin typeface="Courier New" pitchFamily="49" charset="0"/>
-                <a:cs typeface="Courier New" pitchFamily="49" charset="0"/>
-              </a:rPr>
-              <a:t>...</a:t>
-            </a:r>
-            <a:endParaRPr lang="uk-UA" sz="3200" b="1" dirty="0">
-              <a:latin typeface="Courier New" pitchFamily="49" charset="0"/>
-              <a:cs typeface="Courier New" pitchFamily="49" charset="0"/>
+                <a:solidFill>
+                  <a:srgbClr val="0070C0"/>
+                </a:solidFill>
+              </a:rPr>
+              <a:t>&gt;</a:t>
+            </a:r>
+            <a:endParaRPr lang="uk-UA" sz="1600" dirty="0">
+              <a:solidFill>
+                <a:srgbClr val="0070C0"/>
+              </a:solidFill>
             </a:endParaRPr>
           </a:p>
         </p:txBody>
@@ -8954,7 +9028,7 @@
         </p:nvSpPr>
         <p:spPr>
           <a:xfrm>
-            <a:off x="11136560" y="6165304"/>
+            <a:off x="11136560" y="6093296"/>
             <a:ext cx="648072" cy="432048"/>
           </a:xfrm>
           <a:prstGeom prst="roundRect">
@@ -9014,10 +9088,98 @@
           </a:p>
         </p:txBody>
       </p:sp>
+      <p:sp>
+        <p:nvSpPr>
+          <p:cNvPr id="2" name="TextBox 1"/>
+          <p:cNvSpPr txBox="1"/>
+          <p:nvPr/>
+        </p:nvSpPr>
+        <p:spPr>
+          <a:xfrm>
+            <a:off x="2135560" y="3573016"/>
+            <a:ext cx="8388424" cy="1569660"/>
+          </a:xfrm>
+          <a:prstGeom prst="rect">
+            <a:avLst/>
+          </a:prstGeom>
+          <a:noFill/>
+        </p:spPr>
+        <p:txBody>
+          <a:bodyPr wrap="square" rtlCol="0">
+            <a:spAutoFit/>
+          </a:bodyPr>
+          <a:lstStyle/>
+          <a:p>
+            <a:r>
+              <a:rPr lang="ru-RU" sz="2400" dirty="0"/>
+              <a:t>Тег </a:t>
+            </a:r>
+            <a:r>
+              <a:rPr lang="en-US" sz="2400" b="1" dirty="0">
+                <a:solidFill>
+                  <a:srgbClr val="0070C0"/>
+                </a:solidFill>
+              </a:rPr>
+              <a:t>&lt;</a:t>
+            </a:r>
+            <a:r>
+              <a:rPr lang="en-US" sz="2400" b="1" dirty="0" err="1">
+                <a:solidFill>
+                  <a:srgbClr val="0070C0"/>
+                </a:solidFill>
+              </a:rPr>
+              <a:t>img</a:t>
+            </a:r>
+            <a:r>
+              <a:rPr lang="en-US" sz="2400" b="1" dirty="0">
+                <a:solidFill>
+                  <a:srgbClr val="0070C0"/>
+                </a:solidFill>
+              </a:rPr>
+              <a:t>&gt; </a:t>
+            </a:r>
+            <a:r>
+              <a:rPr lang="ru-RU" sz="2400" dirty="0"/>
+              <a:t>непарный тег предназначен для вставки изображений нас страницу (ссылка на файл с изображением указывается при помощи атрибута </a:t>
+            </a:r>
+            <a:r>
+              <a:rPr lang="en-US" sz="2400" b="1" dirty="0" err="1">
+                <a:solidFill>
+                  <a:srgbClr val="00B050"/>
+                </a:solidFill>
+              </a:rPr>
+              <a:t>src</a:t>
+            </a:r>
+            <a:r>
+              <a:rPr lang="ru-RU" sz="2400" dirty="0"/>
+              <a:t>)</a:t>
+            </a:r>
+            <a:r>
+              <a:rPr lang="en-US" sz="2400" dirty="0"/>
+              <a:t>. </a:t>
+            </a:r>
+            <a:r>
+              <a:rPr lang="ru-RU" sz="2400" dirty="0"/>
+              <a:t>Подробнее о других атрибутах тега:</a:t>
+            </a:r>
+            <a:r>
+              <a:rPr lang="en-US" sz="2400" dirty="0"/>
+              <a:t> </a:t>
+            </a:r>
+            <a:r>
+              <a:rPr lang="en-US" sz="2400" b="1" dirty="0">
+                <a:hlinkClick r:id="rId3"/>
+              </a:rPr>
+              <a:t>https://html-css.co.ua/html/tag-img/</a:t>
+            </a:r>
+            <a:endParaRPr lang="ru-RU" sz="2400" b="1" dirty="0"/>
+          </a:p>
+        </p:txBody>
+      </p:sp>
     </p:spTree>
     <p:extLst>
       <p:ext uri="{BB962C8B-B14F-4D97-AF65-F5344CB8AC3E}">
-        <p14:creationId xmlns:p14="http://schemas.microsoft.com/office/powerpoint/2010/main" val="2745726497"/>
+        <p14:creationId xmlns:p14="http://schemas.microsoft.com/office/powerpoint/2010/main" val="604731523"/>
       </p:ext>
     </p:extLst>
   </p:cSld>
@@ -9052,8 +9214,8 @@
         </p:nvSpPr>
         <p:spPr>
           <a:xfrm>
-            <a:off x="0" y="404665"/>
-            <a:ext cx="12192000" cy="769441"/>
+            <a:off x="0" y="653787"/>
+            <a:ext cx="12192000" cy="830997"/>
           </a:xfrm>
           <a:prstGeom prst="rect">
             <a:avLst/>
@@ -9068,10 +9230,10 @@
           <a:p>
             <a:pPr algn="ctr"/>
             <a:r>
-              <a:rPr lang="ru-RU" sz="4400" b="1" dirty="0"/>
-              <a:t>Тег для вставки изображений</a:t>
-            </a:r>
-            <a:endParaRPr lang="uk-UA" sz="4400" b="1" dirty="0"/>
+              <a:rPr lang="ru-RU" sz="4800" b="1" dirty="0"/>
+              <a:t>Тег для ссылок</a:t>
+            </a:r>
+            <a:endParaRPr lang="uk-UA" sz="4800" b="1" dirty="0"/>
           </a:p>
         </p:txBody>
       </p:sp>
@@ -9083,8 +9245,8 @@
         </p:nvSpPr>
         <p:spPr>
           <a:xfrm>
-            <a:off x="1524000" y="2132856"/>
-            <a:ext cx="9144000" cy="707886"/>
+            <a:off x="3683732" y="1970618"/>
+            <a:ext cx="4824536" cy="1754326"/>
           </a:xfrm>
           <a:prstGeom prst="rect">
             <a:avLst/>
@@ -9097,94 +9259,87 @@
           </a:bodyPr>
           <a:lstStyle/>
           <a:p>
-            <a:pPr algn="ctr"/>
-            <a:r>
-              <a:rPr lang="en-US" sz="4000" b="1" dirty="0">
+            <a:r>
+              <a:rPr lang="en-US" sz="3600" b="1" dirty="0">
                 <a:solidFill>
                   <a:srgbClr val="0070C0"/>
                 </a:solidFill>
               </a:rPr>
-              <a:t>&lt;</a:t>
-            </a:r>
-            <a:r>
-              <a:rPr lang="en-US" sz="4000" b="1" dirty="0" err="1">
+              <a:t>&lt;a</a:t>
+            </a:r>
+            <a:r>
+              <a:rPr lang="ru-RU" sz="3600" b="1" dirty="0">
                 <a:solidFill>
                   <a:srgbClr val="0070C0"/>
                 </a:solidFill>
               </a:rPr>
-              <a:t>img</a:t>
-            </a:r>
-            <a:r>
-              <a:rPr lang="ru-RU" sz="4000" b="1" dirty="0">
+              <a:t> </a:t>
+            </a:r>
+            <a:r>
+              <a:rPr lang="en-US" sz="3600" b="1" dirty="0" err="1">
+                <a:solidFill>
+                  <a:srgbClr val="00B050"/>
+                </a:solidFill>
+              </a:rPr>
+              <a:t>href</a:t>
+            </a:r>
+            <a:r>
+              <a:rPr lang="en-US" sz="3600" b="1" dirty="0">
+                <a:solidFill>
+                  <a:srgbClr val="00B050"/>
+                </a:solidFill>
+              </a:rPr>
+              <a:t>=“http://itc.ua”</a:t>
+            </a:r>
+            <a:r>
+              <a:rPr lang="en-US" sz="3600" b="1" dirty="0">
                 <a:solidFill>
                   <a:srgbClr val="0070C0"/>
                 </a:solidFill>
               </a:rPr>
-              <a:t> </a:t>
-            </a:r>
-            <a:r>
-              <a:rPr lang="en-US" sz="4000" b="1" dirty="0" err="1">
-                <a:solidFill>
-                  <a:srgbClr val="00B050"/>
-                </a:solidFill>
-              </a:rPr>
-              <a:t>src</a:t>
-            </a:r>
-            <a:r>
-              <a:rPr lang="en-US" sz="4000" b="1" dirty="0">
-                <a:solidFill>
-                  <a:srgbClr val="00B050"/>
-                </a:solidFill>
-              </a:rPr>
-              <a:t>=“./cat.jpg”</a:t>
-            </a:r>
-            <a:r>
-              <a:rPr lang="ru-RU" sz="4000" b="1" dirty="0">
-                <a:solidFill>
-                  <a:srgbClr val="00B050"/>
-                </a:solidFill>
-              </a:rPr>
-              <a:t> </a:t>
-            </a:r>
-            <a:r>
-              <a:rPr lang="en-US" sz="4000" b="1" dirty="0">
+              <a:t>&gt;</a:t>
+            </a:r>
+          </a:p>
+          <a:p>
+            <a:r>
+              <a:rPr lang="en-US" sz="3600" b="1" dirty="0">
+                <a:solidFill>
+                  <a:srgbClr val="0070C0"/>
+                </a:solidFill>
+              </a:rPr>
+              <a:t>	</a:t>
+            </a:r>
+            <a:r>
+              <a:rPr lang="ru-RU" sz="3600" b="1" dirty="0">
                 <a:solidFill>
                   <a:schemeClr val="accent6">
                     <a:lumMod val="75000"/>
                   </a:schemeClr>
                 </a:solidFill>
               </a:rPr>
-              <a:t>alt=“</a:t>
-            </a:r>
-            <a:r>
-              <a:rPr lang="ru-RU" sz="4000" b="1" dirty="0">
+              <a:t>Перейти на </a:t>
+            </a:r>
+            <a:r>
+              <a:rPr lang="en-US" sz="3600" b="1" dirty="0">
                 <a:solidFill>
                   <a:schemeClr val="accent6">
                     <a:lumMod val="75000"/>
                   </a:schemeClr>
                 </a:solidFill>
               </a:rPr>
-              <a:t>Это кот</a:t>
-            </a:r>
-            <a:r>
-              <a:rPr lang="en-US" sz="4000" b="1" dirty="0">
-                <a:solidFill>
-                  <a:schemeClr val="accent6">
-                    <a:lumMod val="75000"/>
-                  </a:schemeClr>
-                </a:solidFill>
-              </a:rPr>
-              <a:t>”</a:t>
-            </a:r>
-            <a:r>
-              <a:rPr lang="en-US" sz="4000" b="1" dirty="0">
+              <a:t>ITC</a:t>
+            </a:r>
+          </a:p>
+          <a:p>
+            <a:r>
+              <a:rPr lang="en-US" sz="3600" b="1" dirty="0">
                 <a:solidFill>
                   <a:srgbClr val="0070C0"/>
                 </a:solidFill>
               </a:rPr>
-              <a:t>&gt;</a:t>
-            </a:r>
-            <a:endParaRPr lang="uk-UA" sz="1600" dirty="0">
+              <a:t>&lt;/a&gt;</a:t>
+            </a:r>
+            <a:endParaRPr lang="uk-UA" sz="1400" dirty="0">
               <a:solidFill>
                 <a:srgbClr val="0070C0"/>
               </a:solidFill>
@@ -9202,7 +9357,7 @@
         </p:nvSpPr>
         <p:spPr>
           <a:xfrm>
-            <a:off x="11136560" y="6093296"/>
+            <a:off x="11136560" y="6165304"/>
             <a:ext cx="648072" cy="432048"/>
           </a:xfrm>
           <a:prstGeom prst="roundRect">
@@ -9264,14 +9419,14 @@
       </p:sp>
       <p:sp>
         <p:nvSpPr>
-          <p:cNvPr id="2" name="TextBox 1"/>
+          <p:cNvPr id="6" name="TextBox 5"/>
           <p:cNvSpPr txBox="1"/>
           <p:nvPr/>
         </p:nvSpPr>
         <p:spPr>
           <a:xfrm>
-            <a:off x="2135560" y="3573016"/>
-            <a:ext cx="8388424" cy="1569660"/>
+            <a:off x="1343472" y="4210778"/>
+            <a:ext cx="10333148" cy="1200329"/>
           </a:xfrm>
           <a:prstGeom prst="rect">
             <a:avLst/>
@@ -9294,39 +9449,39 @@
                   <a:srgbClr val="0070C0"/>
                 </a:solidFill>
               </a:rPr>
-              <a:t>&lt;</a:t>
+              <a:t>&lt;a&gt;</a:t>
+            </a:r>
+            <a:r>
+              <a:rPr lang="en-US" sz="2400" b="1" dirty="0"/>
+              <a:t> </a:t>
+            </a:r>
+            <a:r>
+              <a:rPr lang="ru-RU" sz="2400" dirty="0"/>
+              <a:t>парный тег предназначен для создания гиперссылок</a:t>
+            </a:r>
+            <a:r>
+              <a:rPr lang="en-US" sz="2400" dirty="0"/>
+              <a:t> </a:t>
+            </a:r>
+            <a:r>
+              <a:rPr lang="ru-RU" sz="2400" dirty="0"/>
+              <a:t>в </a:t>
+            </a:r>
+            <a:r>
+              <a:rPr lang="en-US" sz="2400" dirty="0"/>
+              <a:t>HTML</a:t>
+            </a:r>
+            <a:r>
+              <a:rPr lang="ru-RU" sz="2400" dirty="0"/>
+              <a:t> документе, адрес на который ведёт ссылка задаётся при помощи атрибута </a:t>
             </a:r>
             <a:r>
               <a:rPr lang="en-US" sz="2400" b="1" dirty="0" err="1">
                 <a:solidFill>
-                  <a:srgbClr val="0070C0"/>
-                </a:solidFill>
-              </a:rPr>
-              <a:t>img</a:t>
-            </a:r>
-            <a:r>
-              <a:rPr lang="en-US" sz="2400" b="1" dirty="0">
-                <a:solidFill>
-                  <a:srgbClr val="0070C0"/>
-                </a:solidFill>
-              </a:rPr>
-              <a:t>&gt; </a:t>
-            </a:r>
-            <a:r>
-              <a:rPr lang="ru-RU" sz="2400" dirty="0"/>
-              <a:t>непарный тег предназначен для вставки изображений нас страницу (ссылка на файл с изображением указывается при помощи атрибута </a:t>
-            </a:r>
-            <a:r>
-              <a:rPr lang="en-US" sz="2400" b="1" dirty="0" err="1">
-                <a:solidFill>
                   <a:srgbClr val="00B050"/>
                 </a:solidFill>
               </a:rPr>
-              <a:t>src</a:t>
-            </a:r>
-            <a:r>
-              <a:rPr lang="ru-RU" sz="2400" dirty="0"/>
-              <a:t>)</a:t>
+              <a:t>href</a:t>
             </a:r>
             <a:r>
               <a:rPr lang="en-US" sz="2400" dirty="0"/>
@@ -9334,26 +9489,26 @@
             </a:r>
             <a:r>
               <a:rPr lang="ru-RU" sz="2400" dirty="0"/>
-              <a:t>Подробнее о других атрибутах тега:</a:t>
-            </a:r>
-            <a:r>
-              <a:rPr lang="en-US" sz="2400" dirty="0"/>
-              <a:t> </a:t>
+              <a:t>Подробнее о других атрибутах тега</a:t>
+            </a:r>
+            <a:r>
+              <a:rPr lang="ru-RU" sz="2400" b="1" dirty="0"/>
+              <a:t>: </a:t>
             </a:r>
             <a:r>
               <a:rPr lang="en-US" sz="2400" b="1" dirty="0">
                 <a:hlinkClick r:id="rId3"/>
               </a:rPr>
-              <a:t>https://html-css.co.ua/html/tag-img/</a:t>
-            </a:r>
-            <a:endParaRPr lang="ru-RU" sz="2400" b="1" dirty="0"/>
+              <a:t>https://html-css.co.ua/html/tag-a/</a:t>
+            </a:r>
+            <a:endParaRPr lang="uk-UA" sz="2400" b="1" dirty="0"/>
           </a:p>
         </p:txBody>
       </p:sp>
     </p:spTree>
     <p:extLst>
       <p:ext uri="{BB962C8B-B14F-4D97-AF65-F5344CB8AC3E}">
-        <p14:creationId xmlns:p14="http://schemas.microsoft.com/office/powerpoint/2010/main" val="604731523"/>
+        <p14:creationId xmlns:p14="http://schemas.microsoft.com/office/powerpoint/2010/main" val="626738471"/>
       </p:ext>
     </p:extLst>
   </p:cSld>
@@ -9779,148 +9934,302 @@
       </p:grpSpPr>
       <p:sp>
         <p:nvSpPr>
-          <p:cNvPr id="3" name="TextBox 2"/>
-          <p:cNvSpPr txBox="1"/>
+          <p:cNvPr id="5" name="Прямоугольник 4"/>
+          <p:cNvSpPr/>
           <p:nvPr/>
         </p:nvSpPr>
         <p:spPr>
           <a:xfrm>
-            <a:off x="0" y="653787"/>
-            <a:ext cx="12192000" cy="830997"/>
+            <a:off x="0" y="0"/>
+            <a:ext cx="12192000" cy="6858000"/>
+          </a:xfrm>
+          <a:prstGeom prst="rect">
+            <a:avLst/>
+          </a:prstGeom>
+          <a:solidFill>
+            <a:schemeClr val="tx2">
+              <a:lumMod val="75000"/>
+            </a:schemeClr>
+          </a:solidFill>
+        </p:spPr>
+        <p:style>
+          <a:lnRef idx="2">
+            <a:schemeClr val="accent1">
+              <a:shade val="50000"/>
+            </a:schemeClr>
+          </a:lnRef>
+          <a:fillRef idx="1">
+            <a:schemeClr val="accent1"/>
+          </a:fillRef>
+          <a:effectRef idx="0">
+            <a:schemeClr val="accent1"/>
+          </a:effectRef>
+          <a:fontRef idx="minor">
+            <a:schemeClr val="lt1"/>
+          </a:fontRef>
+        </p:style>
+        <p:txBody>
+          <a:bodyPr rtlCol="0" anchor="ctr"/>
+          <a:lstStyle/>
+          <a:p>
+            <a:pPr algn="ctr"/>
+            <a:r>
+              <a:rPr lang="en-US" sz="8000" b="1" dirty="0"/>
+              <a:t>3. </a:t>
+            </a:r>
+            <a:r>
+              <a:rPr lang="ru-RU" sz="8000" b="1" dirty="0"/>
+              <a:t>Хостинг</a:t>
+            </a:r>
+            <a:endParaRPr lang="uk-UA" sz="8000" b="1" dirty="0"/>
+          </a:p>
+        </p:txBody>
+      </p:sp>
+    </p:spTree>
+    <p:extLst>
+      <p:ext uri="{BB962C8B-B14F-4D97-AF65-F5344CB8AC3E}">
+        <p14:creationId xmlns:p14="http://schemas.microsoft.com/office/powerpoint/2010/main" val="3089917501"/>
+      </p:ext>
+    </p:extLst>
+  </p:cSld>
+  <p:clrMapOvr>
+    <a:masterClrMapping/>
+  </p:clrMapOvr>
+</p:sld>
+</file>
+
+<file path=ppt/slides/slide21.xml><?xml version="1.0" encoding="utf-8"?>
+<p:sld xmlns:a="http://schemas.openxmlformats.org/drawingml/2006/main" xmlns:r="http://schemas.openxmlformats.org/officeDocument/2006/relationships" xmlns:p="http://schemas.openxmlformats.org/presentationml/2006/main">
+  <p:cSld>
+    <p:spTree>
+      <p:nvGrpSpPr>
+        <p:cNvPr id="1" name=""/>
+        <p:cNvGrpSpPr/>
+        <p:nvPr/>
+      </p:nvGrpSpPr>
+      <p:grpSpPr>
+        <a:xfrm>
+          <a:off x="0" y="0"/>
+          <a:ext cx="0" cy="0"/>
+          <a:chOff x="0" y="0"/>
+          <a:chExt cx="0" cy="0"/>
+        </a:xfrm>
+      </p:grpSpPr>
+      <p:sp>
+        <p:nvSpPr>
+          <p:cNvPr id="37" name="Номер слайда 36"/>
+          <p:cNvSpPr>
+            <a:spLocks noGrp="1"/>
+          </p:cNvSpPr>
+          <p:nvPr>
+            <p:ph type="sldNum" sz="quarter" idx="12"/>
+          </p:nvPr>
+        </p:nvSpPr>
+        <p:spPr>
+          <a:xfrm>
+            <a:off x="11208568" y="6165304"/>
+            <a:ext cx="648072" cy="432048"/>
+          </a:xfrm>
+          <a:prstGeom prst="roundRect">
+            <a:avLst/>
+          </a:prstGeom>
+          <a:ln>
+            <a:solidFill>
+              <a:schemeClr val="tx2">
+                <a:lumMod val="60000"/>
+                <a:lumOff val="40000"/>
+              </a:schemeClr>
+            </a:solidFill>
+          </a:ln>
+        </p:spPr>
+        <p:style>
+          <a:lnRef idx="2">
+            <a:schemeClr val="accent1"/>
+          </a:lnRef>
+          <a:fillRef idx="1">
+            <a:schemeClr val="lt1"/>
+          </a:fillRef>
+          <a:effectRef idx="0">
+            <a:schemeClr val="accent1"/>
+          </a:effectRef>
+          <a:fontRef idx="minor">
+            <a:schemeClr val="dk1"/>
+          </a:fontRef>
+        </p:style>
+        <p:txBody>
+          <a:bodyPr/>
+          <a:lstStyle/>
+          <a:p>
+            <a:pPr algn="ctr"/>
+            <a:fld id="{6389AA22-90B4-448C-8B6B-C699140D38B9}" type="slidenum">
+              <a:rPr lang="uk-UA" sz="2400" b="1">
+                <a:solidFill>
+                  <a:schemeClr val="bg1">
+                    <a:lumMod val="50000"/>
+                  </a:schemeClr>
+                </a:solidFill>
+              </a:rPr>
+              <a:pPr algn="ctr"/>
+              <a:t>21</a:t>
+            </a:fld>
+            <a:endParaRPr lang="uk-UA" sz="2400" b="1" dirty="0">
+              <a:solidFill>
+                <a:schemeClr val="bg1">
+                  <a:lumMod val="50000"/>
+                </a:schemeClr>
+              </a:solidFill>
+            </a:endParaRPr>
+          </a:p>
+        </p:txBody>
+      </p:sp>
+      <p:pic>
+        <p:nvPicPr>
+          <p:cNvPr id="30729" name="Picture 9" descr="http://drtapac.biz/wp-content/uploads/2016/05/crosley-113.jpg"/>
+          <p:cNvPicPr>
+            <a:picLocks noChangeAspect="1" noChangeArrowheads="1"/>
+          </p:cNvPicPr>
+          <p:nvPr/>
+        </p:nvPicPr>
+        <p:blipFill>
+          <a:blip r:embed="rId2" cstate="print"/>
+          <a:srcRect/>
+          <a:stretch>
+            <a:fillRect/>
+          </a:stretch>
+        </p:blipFill>
+        <p:spPr bwMode="auto">
+          <a:xfrm>
+            <a:off x="623392" y="3354800"/>
+            <a:ext cx="1679106" cy="1442352"/>
           </a:xfrm>
           <a:prstGeom prst="rect">
             <a:avLst/>
           </a:prstGeom>
           <a:noFill/>
         </p:spPr>
-        <p:txBody>
-          <a:bodyPr wrap="square" rtlCol="0">
-            <a:spAutoFit/>
-          </a:bodyPr>
-          <a:lstStyle/>
-          <a:p>
-            <a:pPr algn="ctr"/>
-            <a:r>
-              <a:rPr lang="ru-RU" sz="4800" b="1" dirty="0"/>
-              <a:t>Тег для ссылок</a:t>
-            </a:r>
-            <a:endParaRPr lang="uk-UA" sz="4800" b="1" dirty="0"/>
-          </a:p>
-        </p:txBody>
-      </p:sp>
-      <p:sp>
-        <p:nvSpPr>
-          <p:cNvPr id="7" name="TextBox 6"/>
-          <p:cNvSpPr txBox="1"/>
+      </p:pic>
+      <p:pic>
+        <p:nvPicPr>
+          <p:cNvPr id="14" name="Picture 2" descr="http://winetwork.ru/images/configure%20routers/static%20ip.jpg"/>
+          <p:cNvPicPr>
+            <a:picLocks noChangeAspect="1" noChangeArrowheads="1"/>
+          </p:cNvPicPr>
           <p:nvPr/>
-        </p:nvSpPr>
-        <p:spPr>
-          <a:xfrm>
-            <a:off x="3683732" y="1970618"/>
-            <a:ext cx="4824536" cy="1754326"/>
+        </p:nvPicPr>
+        <p:blipFill>
+          <a:blip r:embed="rId3" cstate="print"/>
+          <a:srcRect/>
+          <a:stretch>
+            <a:fillRect/>
+          </a:stretch>
+        </p:blipFill>
+        <p:spPr bwMode="auto">
+          <a:xfrm>
+            <a:off x="6732242" y="1235166"/>
+            <a:ext cx="5107748" cy="2553874"/>
           </a:xfrm>
           <a:prstGeom prst="rect">
             <a:avLst/>
           </a:prstGeom>
           <a:noFill/>
         </p:spPr>
+      </p:pic>
+      <p:sp>
+        <p:nvSpPr>
+          <p:cNvPr id="2" name="Прямоугольник 1"/>
+          <p:cNvSpPr/>
+          <p:nvPr/>
+        </p:nvSpPr>
+        <p:spPr>
+          <a:xfrm>
+            <a:off x="2855640" y="5139189"/>
+            <a:ext cx="6912768" cy="954107"/>
+          </a:xfrm>
+          <a:prstGeom prst="rect">
+            <a:avLst/>
+          </a:prstGeom>
+        </p:spPr>
+        <p:txBody>
+          <a:bodyPr wrap="square">
+            <a:spAutoFit/>
+          </a:bodyPr>
+          <a:lstStyle/>
+          <a:p>
+            <a:pPr algn="ctr"/>
+            <a:r>
+              <a:rPr lang="en-US" sz="2800" b="1" dirty="0"/>
+              <a:t>IP-</a:t>
+            </a:r>
+            <a:r>
+              <a:rPr lang="ru-RU" sz="2800" b="1" dirty="0"/>
+              <a:t>адрес</a:t>
+            </a:r>
+            <a:r>
+              <a:rPr lang="uk-UA" sz="2800" b="1" dirty="0"/>
+              <a:t> </a:t>
+            </a:r>
+            <a:r>
+              <a:rPr lang="ru-RU" sz="2800" dirty="0"/>
+              <a:t>уникальный сетевой адрес узла в компьютерной сети</a:t>
+            </a:r>
+            <a:r>
+              <a:rPr lang="en-US" sz="2800" dirty="0"/>
+              <a:t> (</a:t>
+            </a:r>
+            <a:r>
+              <a:rPr lang="uk-UA" sz="2800" dirty="0" err="1"/>
+              <a:t>Интернете</a:t>
+            </a:r>
+            <a:r>
+              <a:rPr lang="en-US" sz="2800" dirty="0"/>
+              <a:t>)</a:t>
+            </a:r>
+            <a:endParaRPr lang="uk-UA" sz="2800" dirty="0"/>
+          </a:p>
+        </p:txBody>
+      </p:sp>
+      <p:sp>
+        <p:nvSpPr>
+          <p:cNvPr id="3" name="TextBox 2"/>
+          <p:cNvSpPr txBox="1"/>
+          <p:nvPr/>
+        </p:nvSpPr>
+        <p:spPr>
+          <a:xfrm>
+            <a:off x="-1" y="334397"/>
+            <a:ext cx="12192001" cy="707886"/>
+          </a:xfrm>
+          <a:prstGeom prst="rect">
+            <a:avLst/>
+          </a:prstGeom>
+          <a:noFill/>
+        </p:spPr>
         <p:txBody>
           <a:bodyPr wrap="square" rtlCol="0">
             <a:spAutoFit/>
           </a:bodyPr>
           <a:lstStyle/>
           <a:p>
-            <a:r>
-              <a:rPr lang="en-US" sz="3600" b="1" dirty="0">
-                <a:solidFill>
-                  <a:srgbClr val="0070C0"/>
-                </a:solidFill>
-              </a:rPr>
-              <a:t>&lt;a</a:t>
-            </a:r>
-            <a:r>
-              <a:rPr lang="ru-RU" sz="3600" b="1" dirty="0">
-                <a:solidFill>
-                  <a:srgbClr val="0070C0"/>
-                </a:solidFill>
-              </a:rPr>
-              <a:t> </a:t>
-            </a:r>
-            <a:r>
-              <a:rPr lang="en-US" sz="3600" b="1" dirty="0" err="1">
-                <a:solidFill>
-                  <a:srgbClr val="00B050"/>
-                </a:solidFill>
-              </a:rPr>
-              <a:t>href</a:t>
-            </a:r>
-            <a:r>
-              <a:rPr lang="en-US" sz="3600" b="1" dirty="0">
-                <a:solidFill>
-                  <a:srgbClr val="00B050"/>
-                </a:solidFill>
-              </a:rPr>
-              <a:t>=“http://itc.ua”</a:t>
-            </a:r>
-            <a:r>
-              <a:rPr lang="en-US" sz="3600" b="1" dirty="0">
-                <a:solidFill>
-                  <a:srgbClr val="0070C0"/>
-                </a:solidFill>
-              </a:rPr>
-              <a:t>&gt;</a:t>
-            </a:r>
-          </a:p>
-          <a:p>
-            <a:r>
-              <a:rPr lang="en-US" sz="3600" b="1" dirty="0">
-                <a:solidFill>
-                  <a:srgbClr val="0070C0"/>
-                </a:solidFill>
-              </a:rPr>
-              <a:t>	</a:t>
-            </a:r>
-            <a:r>
-              <a:rPr lang="ru-RU" sz="3600" b="1" dirty="0">
-                <a:solidFill>
-                  <a:schemeClr val="accent6">
-                    <a:lumMod val="75000"/>
-                  </a:schemeClr>
-                </a:solidFill>
-              </a:rPr>
-              <a:t>Перейти на </a:t>
-            </a:r>
-            <a:r>
-              <a:rPr lang="en-US" sz="3600" b="1" dirty="0">
-                <a:solidFill>
-                  <a:schemeClr val="accent6">
-                    <a:lumMod val="75000"/>
-                  </a:schemeClr>
-                </a:solidFill>
-              </a:rPr>
-              <a:t>ITC</a:t>
-            </a:r>
-          </a:p>
-          <a:p>
-            <a:r>
-              <a:rPr lang="en-US" sz="3600" b="1" dirty="0">
-                <a:solidFill>
-                  <a:srgbClr val="0070C0"/>
-                </a:solidFill>
-              </a:rPr>
-              <a:t>&lt;/a&gt;</a:t>
-            </a:r>
-            <a:endParaRPr lang="uk-UA" sz="1400" dirty="0">
-              <a:solidFill>
-                <a:srgbClr val="0070C0"/>
-              </a:solidFill>
-            </a:endParaRPr>
-          </a:p>
-        </p:txBody>
-      </p:sp>
-      <p:sp>
-        <p:nvSpPr>
-          <p:cNvPr id="9" name="Номер слайда 36"/>
+            <a:pPr algn="ctr"/>
+            <a:r>
+              <a:rPr lang="ru-RU" sz="4000" b="1" dirty="0"/>
+              <a:t>Адресация в Интернете</a:t>
+            </a:r>
+            <a:r>
+              <a:rPr lang="en-US" sz="4000" b="1" dirty="0"/>
+              <a:t> / IP </a:t>
+            </a:r>
+            <a:r>
+              <a:rPr lang="ru-RU" sz="4000" b="1" dirty="0"/>
+              <a:t>адрес</a:t>
+            </a:r>
+            <a:endParaRPr lang="uk-UA" sz="4000" b="1" dirty="0"/>
+          </a:p>
+        </p:txBody>
+      </p:sp>
+      <p:sp>
+        <p:nvSpPr>
+          <p:cNvPr id="7" name="Заголовок 1"/>
           <p:cNvSpPr txBox="1">
             <a:spLocks/>
           </p:cNvSpPr>
@@ -9928,7 +10237,576 @@
         </p:nvSpPr>
         <p:spPr>
           <a:xfrm>
-            <a:off x="11136560" y="6165304"/>
+            <a:off x="2423593" y="4010703"/>
+            <a:ext cx="9768408" cy="498417"/>
+          </a:xfrm>
+          <a:prstGeom prst="rect">
+            <a:avLst/>
+          </a:prstGeom>
+        </p:spPr>
+        <p:txBody>
+          <a:bodyPr vert="horz" lIns="91440" tIns="45720" rIns="91440" bIns="45720" rtlCol="0" anchor="ctr">
+            <a:noAutofit/>
+          </a:bodyPr>
+          <a:lstStyle/>
+          <a:p>
+            <a:pPr>
+              <a:spcBef>
+                <a:spcPct val="0"/>
+              </a:spcBef>
+            </a:pPr>
+            <a:r>
+              <a:rPr lang="en-US" sz="3600" dirty="0">
+                <a:latin typeface="+mj-lt"/>
+                <a:ea typeface="+mj-ea"/>
+                <a:cs typeface="+mj-cs"/>
+              </a:rPr>
+              <a:t>IPv6:</a:t>
+            </a:r>
+            <a:r>
+              <a:rPr lang="ru-RU" sz="3600" dirty="0"/>
+              <a:t> </a:t>
+            </a:r>
+            <a:r>
+              <a:rPr lang="en-US" sz="3600" b="1" dirty="0"/>
+              <a:t>2001:0db8:11a3:09d7:1f34:8a2e:07a0:765d </a:t>
+            </a:r>
+            <a:r>
+              <a:rPr lang="en-US" sz="3600" dirty="0"/>
+              <a:t> </a:t>
+            </a:r>
+            <a:endParaRPr lang="uk-UA" sz="3600" b="1" dirty="0"/>
+          </a:p>
+        </p:txBody>
+      </p:sp>
+      <p:sp>
+        <p:nvSpPr>
+          <p:cNvPr id="8" name="Прямоугольник 7"/>
+          <p:cNvSpPr/>
+          <p:nvPr/>
+        </p:nvSpPr>
+        <p:spPr>
+          <a:xfrm>
+            <a:off x="1271464" y="1988840"/>
+            <a:ext cx="6984777" cy="646331"/>
+          </a:xfrm>
+          <a:prstGeom prst="rect">
+            <a:avLst/>
+          </a:prstGeom>
+        </p:spPr>
+        <p:txBody>
+          <a:bodyPr wrap="square">
+            <a:spAutoFit/>
+          </a:bodyPr>
+          <a:lstStyle/>
+          <a:p>
+            <a:pPr>
+              <a:spcBef>
+                <a:spcPct val="0"/>
+              </a:spcBef>
+            </a:pPr>
+            <a:r>
+              <a:rPr lang="en-US" sz="3600" dirty="0"/>
+              <a:t>IPv4: </a:t>
+            </a:r>
+            <a:r>
+              <a:rPr lang="en-US" sz="3600" b="1" dirty="0"/>
+              <a:t>77.222.150.27</a:t>
+            </a:r>
+            <a:r>
+              <a:rPr lang="en-US" sz="3600" dirty="0"/>
+              <a:t> </a:t>
+            </a:r>
+          </a:p>
+        </p:txBody>
+      </p:sp>
+    </p:spTree>
+    <p:extLst>
+      <p:ext uri="{BB962C8B-B14F-4D97-AF65-F5344CB8AC3E}">
+        <p14:creationId xmlns:p14="http://schemas.microsoft.com/office/powerpoint/2010/main" val="1106840640"/>
+      </p:ext>
+    </p:extLst>
+  </p:cSld>
+  <p:clrMapOvr>
+    <a:masterClrMapping/>
+  </p:clrMapOvr>
+</p:sld>
+</file>
+
+<file path=ppt/slides/slide22.xml><?xml version="1.0" encoding="utf-8"?>
+<p:sld xmlns:a="http://schemas.openxmlformats.org/drawingml/2006/main" xmlns:r="http://schemas.openxmlformats.org/officeDocument/2006/relationships" xmlns:p="http://schemas.openxmlformats.org/presentationml/2006/main">
+  <p:cSld>
+    <p:spTree>
+      <p:nvGrpSpPr>
+        <p:cNvPr id="1" name=""/>
+        <p:cNvGrpSpPr/>
+        <p:nvPr/>
+      </p:nvGrpSpPr>
+      <p:grpSpPr>
+        <a:xfrm>
+          <a:off x="0" y="0"/>
+          <a:ext cx="0" cy="0"/>
+          <a:chOff x="0" y="0"/>
+          <a:chExt cx="0" cy="0"/>
+        </a:xfrm>
+      </p:grpSpPr>
+      <p:sp>
+        <p:nvSpPr>
+          <p:cNvPr id="37" name="Номер слайда 36"/>
+          <p:cNvSpPr>
+            <a:spLocks noGrp="1"/>
+          </p:cNvSpPr>
+          <p:nvPr>
+            <p:ph type="sldNum" sz="quarter" idx="12"/>
+          </p:nvPr>
+        </p:nvSpPr>
+        <p:spPr>
+          <a:xfrm>
+            <a:off x="11208568" y="6165304"/>
+            <a:ext cx="648072" cy="432048"/>
+          </a:xfrm>
+          <a:prstGeom prst="roundRect">
+            <a:avLst/>
+          </a:prstGeom>
+          <a:ln>
+            <a:solidFill>
+              <a:schemeClr val="tx2">
+                <a:lumMod val="60000"/>
+                <a:lumOff val="40000"/>
+              </a:schemeClr>
+            </a:solidFill>
+          </a:ln>
+        </p:spPr>
+        <p:style>
+          <a:lnRef idx="2">
+            <a:schemeClr val="accent1"/>
+          </a:lnRef>
+          <a:fillRef idx="1">
+            <a:schemeClr val="lt1"/>
+          </a:fillRef>
+          <a:effectRef idx="0">
+            <a:schemeClr val="accent1"/>
+          </a:effectRef>
+          <a:fontRef idx="minor">
+            <a:schemeClr val="dk1"/>
+          </a:fontRef>
+        </p:style>
+        <p:txBody>
+          <a:bodyPr/>
+          <a:lstStyle/>
+          <a:p>
+            <a:pPr algn="ctr"/>
+            <a:fld id="{6389AA22-90B4-448C-8B6B-C699140D38B9}" type="slidenum">
+              <a:rPr lang="uk-UA" sz="2400" b="1">
+                <a:solidFill>
+                  <a:schemeClr val="bg1">
+                    <a:lumMod val="50000"/>
+                  </a:schemeClr>
+                </a:solidFill>
+              </a:rPr>
+              <a:pPr algn="ctr"/>
+              <a:t>22</a:t>
+            </a:fld>
+            <a:endParaRPr lang="uk-UA" sz="2400" b="1" dirty="0">
+              <a:solidFill>
+                <a:schemeClr val="bg1">
+                  <a:lumMod val="50000"/>
+                </a:schemeClr>
+              </a:solidFill>
+            </a:endParaRPr>
+          </a:p>
+        </p:txBody>
+      </p:sp>
+      <p:sp>
+        <p:nvSpPr>
+          <p:cNvPr id="58" name="Заголовок 1"/>
+          <p:cNvSpPr txBox="1">
+            <a:spLocks/>
+          </p:cNvSpPr>
+          <p:nvPr/>
+        </p:nvSpPr>
+        <p:spPr>
+          <a:xfrm>
+            <a:off x="0" y="260648"/>
+            <a:ext cx="12192000" cy="706090"/>
+          </a:xfrm>
+          <a:prstGeom prst="rect">
+            <a:avLst/>
+          </a:prstGeom>
+        </p:spPr>
+        <p:txBody>
+          <a:bodyPr vert="horz" lIns="91440" tIns="45720" rIns="91440" bIns="45720" rtlCol="0" anchor="ctr">
+            <a:normAutofit fontScale="97500"/>
+          </a:bodyPr>
+          <a:lstStyle/>
+          <a:p>
+            <a:pPr algn="ctr">
+              <a:spcBef>
+                <a:spcPct val="0"/>
+              </a:spcBef>
+              <a:defRPr/>
+            </a:pPr>
+            <a:r>
+              <a:rPr lang="en-US" sz="3200" b="1" dirty="0">
+                <a:latin typeface="+mj-lt"/>
+                <a:ea typeface="+mj-ea"/>
+                <a:cs typeface="+mj-cs"/>
+              </a:rPr>
+              <a:t>DNS – </a:t>
+            </a:r>
+            <a:r>
+              <a:rPr lang="ru-RU" sz="3200" b="1" dirty="0">
+                <a:latin typeface="+mj-lt"/>
+                <a:ea typeface="+mj-ea"/>
+                <a:cs typeface="+mj-cs"/>
+              </a:rPr>
+              <a:t>всемирная «адресная книга»</a:t>
+            </a:r>
+            <a:endParaRPr lang="uk-UA" sz="3200" b="1" dirty="0">
+              <a:latin typeface="+mj-lt"/>
+              <a:ea typeface="+mj-ea"/>
+              <a:cs typeface="+mj-cs"/>
+            </a:endParaRPr>
+          </a:p>
+        </p:txBody>
+      </p:sp>
+      <p:sp>
+        <p:nvSpPr>
+          <p:cNvPr id="82" name="TextBox 81"/>
+          <p:cNvSpPr txBox="1"/>
+          <p:nvPr/>
+        </p:nvSpPr>
+        <p:spPr>
+          <a:xfrm>
+            <a:off x="3003992" y="4500409"/>
+            <a:ext cx="2504212" cy="584775"/>
+          </a:xfrm>
+          <a:prstGeom prst="rect">
+            <a:avLst/>
+          </a:prstGeom>
+          <a:noFill/>
+        </p:spPr>
+        <p:txBody>
+          <a:bodyPr wrap="none" rtlCol="0">
+            <a:spAutoFit/>
+          </a:bodyPr>
+          <a:lstStyle/>
+          <a:p>
+            <a:r>
+              <a:rPr lang="en-US" sz="3200" b="1" dirty="0"/>
+              <a:t>wikipedia.org</a:t>
+            </a:r>
+            <a:endParaRPr lang="uk-UA" sz="3200" b="1" dirty="0"/>
+          </a:p>
+        </p:txBody>
+      </p:sp>
+      <p:sp>
+        <p:nvSpPr>
+          <p:cNvPr id="84" name="Прямоугольник 83"/>
+          <p:cNvSpPr/>
+          <p:nvPr/>
+        </p:nvSpPr>
+        <p:spPr>
+          <a:xfrm>
+            <a:off x="6820419" y="4500409"/>
+            <a:ext cx="2803973" cy="584775"/>
+          </a:xfrm>
+          <a:prstGeom prst="rect">
+            <a:avLst/>
+          </a:prstGeom>
+        </p:spPr>
+        <p:txBody>
+          <a:bodyPr wrap="none">
+            <a:spAutoFit/>
+          </a:bodyPr>
+          <a:lstStyle/>
+          <a:p>
+            <a:r>
+              <a:rPr lang="en-US" sz="3200" b="1" dirty="0"/>
+              <a:t>91.198.174.192</a:t>
+            </a:r>
+            <a:endParaRPr lang="uk-UA" sz="3200" b="1" dirty="0"/>
+          </a:p>
+        </p:txBody>
+      </p:sp>
+      <p:sp>
+        <p:nvSpPr>
+          <p:cNvPr id="90" name="Стрелка вправо 89"/>
+          <p:cNvSpPr/>
+          <p:nvPr/>
+        </p:nvSpPr>
+        <p:spPr>
+          <a:xfrm>
+            <a:off x="5879976" y="4540765"/>
+            <a:ext cx="724416" cy="504056"/>
+          </a:xfrm>
+          <a:prstGeom prst="rightArrow">
+            <a:avLst/>
+          </a:prstGeom>
+          <a:noFill/>
+          <a:ln>
+            <a:solidFill>
+              <a:srgbClr val="00B0F0"/>
+            </a:solidFill>
+          </a:ln>
+        </p:spPr>
+        <p:style>
+          <a:lnRef idx="2">
+            <a:schemeClr val="accent1">
+              <a:shade val="50000"/>
+            </a:schemeClr>
+          </a:lnRef>
+          <a:fillRef idx="1">
+            <a:schemeClr val="accent1"/>
+          </a:fillRef>
+          <a:effectRef idx="0">
+            <a:schemeClr val="accent1"/>
+          </a:effectRef>
+          <a:fontRef idx="minor">
+            <a:schemeClr val="lt1"/>
+          </a:fontRef>
+        </p:style>
+        <p:txBody>
+          <a:bodyPr rtlCol="0" anchor="ctr"/>
+          <a:lstStyle/>
+          <a:p>
+            <a:pPr algn="ctr"/>
+            <a:endParaRPr lang="uk-UA" dirty="0"/>
+          </a:p>
+        </p:txBody>
+      </p:sp>
+      <p:sp>
+        <p:nvSpPr>
+          <p:cNvPr id="9" name="TextBox 8"/>
+          <p:cNvSpPr txBox="1"/>
+          <p:nvPr/>
+        </p:nvSpPr>
+        <p:spPr>
+          <a:xfrm>
+            <a:off x="0" y="1023119"/>
+            <a:ext cx="12191999" cy="461665"/>
+          </a:xfrm>
+          <a:prstGeom prst="rect">
+            <a:avLst/>
+          </a:prstGeom>
+          <a:noFill/>
+        </p:spPr>
+        <p:txBody>
+          <a:bodyPr wrap="square" rtlCol="0">
+            <a:spAutoFit/>
+          </a:bodyPr>
+          <a:lstStyle/>
+          <a:p>
+            <a:pPr algn="ctr"/>
+            <a:r>
+              <a:rPr lang="en-US" sz="2400" b="1" dirty="0"/>
+              <a:t>(Domain Name System</a:t>
+            </a:r>
+            <a:r>
+              <a:rPr lang="ru-RU" sz="2400" b="1" dirty="0"/>
+              <a:t> – Система Доменных Имён</a:t>
+            </a:r>
+            <a:r>
+              <a:rPr lang="en-US" sz="2400" b="1" dirty="0"/>
+              <a:t>) </a:t>
+            </a:r>
+            <a:endParaRPr lang="uk-UA" sz="2400" b="1" dirty="0"/>
+          </a:p>
+        </p:txBody>
+      </p:sp>
+      <p:pic>
+        <p:nvPicPr>
+          <p:cNvPr id="25602" name="Picture 2" descr="http://www.yellowpages.com.iq/img/yellow_page_pdf_btn.png"/>
+          <p:cNvPicPr>
+            <a:picLocks noChangeAspect="1" noChangeArrowheads="1"/>
+          </p:cNvPicPr>
+          <p:nvPr/>
+        </p:nvPicPr>
+        <p:blipFill>
+          <a:blip r:embed="rId2" cstate="print"/>
+          <a:srcRect/>
+          <a:stretch>
+            <a:fillRect/>
+          </a:stretch>
+        </p:blipFill>
+        <p:spPr bwMode="auto">
+          <a:xfrm>
+            <a:off x="2704728" y="1625055"/>
+            <a:ext cx="3319264" cy="2524025"/>
+          </a:xfrm>
+          <a:prstGeom prst="rect">
+            <a:avLst/>
+          </a:prstGeom>
+          <a:noFill/>
+        </p:spPr>
+      </p:pic>
+      <p:pic>
+        <p:nvPicPr>
+          <p:cNvPr id="25606" name="Picture 6" descr="http://nicksherman.com/articles/bellCentennial/inUse.jpg"/>
+          <p:cNvPicPr>
+            <a:picLocks noChangeAspect="1" noChangeArrowheads="1"/>
+          </p:cNvPicPr>
+          <p:nvPr/>
+        </p:nvPicPr>
+        <p:blipFill>
+          <a:blip r:embed="rId3" cstate="print"/>
+          <a:srcRect/>
+          <a:stretch>
+            <a:fillRect/>
+          </a:stretch>
+        </p:blipFill>
+        <p:spPr bwMode="auto">
+          <a:xfrm>
+            <a:off x="6528048" y="1625055"/>
+            <a:ext cx="3272880" cy="2454660"/>
+          </a:xfrm>
+          <a:prstGeom prst="rect">
+            <a:avLst/>
+          </a:prstGeom>
+          <a:ln>
+            <a:solidFill>
+              <a:srgbClr val="00B0F0"/>
+            </a:solidFill>
+          </a:ln>
+          <a:effectLst>
+            <a:outerShdw blurRad="292100" dist="139700" dir="2700000" algn="tl" rotWithShape="0">
+              <a:srgbClr val="333333">
+                <a:alpha val="65000"/>
+              </a:srgbClr>
+            </a:outerShdw>
+          </a:effectLst>
+        </p:spPr>
+      </p:pic>
+      <p:sp>
+        <p:nvSpPr>
+          <p:cNvPr id="2" name="Прямоугольник 1"/>
+          <p:cNvSpPr/>
+          <p:nvPr/>
+        </p:nvSpPr>
+        <p:spPr>
+          <a:xfrm>
+            <a:off x="1559496" y="5334307"/>
+            <a:ext cx="9289032" cy="830997"/>
+          </a:xfrm>
+          <a:prstGeom prst="rect">
+            <a:avLst/>
+          </a:prstGeom>
+        </p:spPr>
+        <p:txBody>
+          <a:bodyPr wrap="square">
+            <a:spAutoFit/>
+          </a:bodyPr>
+          <a:lstStyle/>
+          <a:p>
+            <a:pPr algn="ctr"/>
+            <a:r>
+              <a:rPr lang="ru-RU" sz="2400" dirty="0"/>
+              <a:t>Основная задача </a:t>
+            </a:r>
+            <a:r>
+              <a:rPr lang="en-US" sz="2400" b="1" dirty="0"/>
+              <a:t>DNS </a:t>
+            </a:r>
+            <a:r>
+              <a:rPr lang="ru-RU" sz="2400" dirty="0"/>
+              <a:t>сообщать </a:t>
+            </a:r>
+            <a:r>
+              <a:rPr lang="en-US" sz="2400" b="1" dirty="0"/>
+              <a:t>IP-</a:t>
+            </a:r>
+            <a:r>
+              <a:rPr lang="ru-RU" sz="2400" b="1" dirty="0"/>
+              <a:t>адрес </a:t>
+            </a:r>
+            <a:r>
+              <a:rPr lang="ru-RU" sz="2400" dirty="0"/>
+              <a:t>компьютера который скрывается под тем или иным доменным именем.</a:t>
+            </a:r>
+            <a:r>
+              <a:rPr lang="en-US" sz="2400" dirty="0"/>
+              <a:t> </a:t>
+            </a:r>
+            <a:endParaRPr lang="uk-UA" sz="2400" dirty="0"/>
+          </a:p>
+        </p:txBody>
+      </p:sp>
+    </p:spTree>
+    <p:extLst>
+      <p:ext uri="{BB962C8B-B14F-4D97-AF65-F5344CB8AC3E}">
+        <p14:creationId xmlns:p14="http://schemas.microsoft.com/office/powerpoint/2010/main" val="1136467543"/>
+      </p:ext>
+    </p:extLst>
+  </p:cSld>
+  <p:clrMapOvr>
+    <a:masterClrMapping/>
+  </p:clrMapOvr>
+</p:sld>
+</file>
+
+<file path=ppt/slides/slide23.xml><?xml version="1.0" encoding="utf-8"?>
+<p:sld xmlns:a="http://schemas.openxmlformats.org/drawingml/2006/main" xmlns:r="http://schemas.openxmlformats.org/officeDocument/2006/relationships" xmlns:p="http://schemas.openxmlformats.org/presentationml/2006/main">
+  <p:cSld>
+    <p:spTree>
+      <p:nvGrpSpPr>
+        <p:cNvPr id="1" name=""/>
+        <p:cNvGrpSpPr/>
+        <p:nvPr/>
+      </p:nvGrpSpPr>
+      <p:grpSpPr>
+        <a:xfrm>
+          <a:off x="0" y="0"/>
+          <a:ext cx="0" cy="0"/>
+          <a:chOff x="0" y="0"/>
+          <a:chExt cx="0" cy="0"/>
+        </a:xfrm>
+      </p:grpSpPr>
+      <p:sp>
+        <p:nvSpPr>
+          <p:cNvPr id="8" name="TextBox 7"/>
+          <p:cNvSpPr txBox="1"/>
+          <p:nvPr/>
+        </p:nvSpPr>
+        <p:spPr>
+          <a:xfrm>
+            <a:off x="2135560" y="404665"/>
+            <a:ext cx="7920880" cy="646331"/>
+          </a:xfrm>
+          <a:prstGeom prst="rect">
+            <a:avLst/>
+          </a:prstGeom>
+          <a:noFill/>
+        </p:spPr>
+        <p:txBody>
+          <a:bodyPr wrap="square" rtlCol="0">
+            <a:spAutoFit/>
+          </a:bodyPr>
+          <a:lstStyle/>
+          <a:p>
+            <a:pPr algn="ctr"/>
+            <a:r>
+              <a:rPr lang="en-US" sz="3600" b="1" dirty="0"/>
+              <a:t>NeoCities.org – </a:t>
+            </a:r>
+            <a:r>
+              <a:rPr lang="ru-RU" sz="3600" b="1" dirty="0"/>
+              <a:t>статический хостинг</a:t>
+            </a:r>
+            <a:endParaRPr lang="en-US" sz="3600" b="1" dirty="0"/>
+          </a:p>
+        </p:txBody>
+      </p:sp>
+      <p:sp>
+        <p:nvSpPr>
+          <p:cNvPr id="4" name="Номер слайда 36"/>
+          <p:cNvSpPr txBox="1">
+            <a:spLocks/>
+          </p:cNvSpPr>
+          <p:nvPr/>
+        </p:nvSpPr>
+        <p:spPr>
+          <a:xfrm>
+            <a:off x="11208568" y="6165304"/>
             <a:ext cx="648072" cy="432048"/>
           </a:xfrm>
           <a:prstGeom prst="roundRect">
@@ -9976,609 +10854,6 @@
               <a:pPr algn="ctr">
                 <a:defRPr/>
               </a:pPr>
-              <a:t>20</a:t>
-            </a:fld>
-            <a:endParaRPr lang="uk-UA" sz="2400" b="1" dirty="0">
-              <a:solidFill>
-                <a:schemeClr val="bg1">
-                  <a:lumMod val="50000"/>
-                </a:schemeClr>
-              </a:solidFill>
-            </a:endParaRPr>
-          </a:p>
-        </p:txBody>
-      </p:sp>
-      <p:sp>
-        <p:nvSpPr>
-          <p:cNvPr id="6" name="TextBox 5"/>
-          <p:cNvSpPr txBox="1"/>
-          <p:nvPr/>
-        </p:nvSpPr>
-        <p:spPr>
-          <a:xfrm>
-            <a:off x="1343472" y="4210778"/>
-            <a:ext cx="10333148" cy="1200329"/>
-          </a:xfrm>
-          <a:prstGeom prst="rect">
-            <a:avLst/>
-          </a:prstGeom>
-          <a:noFill/>
-        </p:spPr>
-        <p:txBody>
-          <a:bodyPr wrap="square" rtlCol="0">
-            <a:spAutoFit/>
-          </a:bodyPr>
-          <a:lstStyle/>
-          <a:p>
-            <a:r>
-              <a:rPr lang="ru-RU" sz="2400" dirty="0"/>
-              <a:t>Тег </a:t>
-            </a:r>
-            <a:r>
-              <a:rPr lang="en-US" sz="2400" b="1" dirty="0">
-                <a:solidFill>
-                  <a:srgbClr val="0070C0"/>
-                </a:solidFill>
-              </a:rPr>
-              <a:t>&lt;a&gt;</a:t>
-            </a:r>
-            <a:r>
-              <a:rPr lang="en-US" sz="2400" b="1" dirty="0"/>
-              <a:t> </a:t>
-            </a:r>
-            <a:r>
-              <a:rPr lang="ru-RU" sz="2400" dirty="0"/>
-              <a:t>парный тег предназначен для создания гиперссылок</a:t>
-            </a:r>
-            <a:r>
-              <a:rPr lang="en-US" sz="2400" dirty="0"/>
-              <a:t> </a:t>
-            </a:r>
-            <a:r>
-              <a:rPr lang="ru-RU" sz="2400" dirty="0"/>
-              <a:t>в </a:t>
-            </a:r>
-            <a:r>
-              <a:rPr lang="en-US" sz="2400" dirty="0"/>
-              <a:t>HTML</a:t>
-            </a:r>
-            <a:r>
-              <a:rPr lang="ru-RU" sz="2400" dirty="0"/>
-              <a:t> документе, адрес на который ведёт ссылка задаётся при помощи атрибута </a:t>
-            </a:r>
-            <a:r>
-              <a:rPr lang="en-US" sz="2400" b="1" dirty="0" err="1">
-                <a:solidFill>
-                  <a:srgbClr val="00B050"/>
-                </a:solidFill>
-              </a:rPr>
-              <a:t>href</a:t>
-            </a:r>
-            <a:r>
-              <a:rPr lang="en-US" sz="2400" dirty="0"/>
-              <a:t>. </a:t>
-            </a:r>
-            <a:r>
-              <a:rPr lang="ru-RU" sz="2400" dirty="0"/>
-              <a:t>Подробнее о других атрибутах тега</a:t>
-            </a:r>
-            <a:r>
-              <a:rPr lang="ru-RU" sz="2400" b="1" dirty="0"/>
-              <a:t>: </a:t>
-            </a:r>
-            <a:r>
-              <a:rPr lang="en-US" sz="2400" b="1" dirty="0">
-                <a:hlinkClick r:id="rId3"/>
-              </a:rPr>
-              <a:t>https://html-css.co.ua/html/tag-a/</a:t>
-            </a:r>
-            <a:endParaRPr lang="uk-UA" sz="2400" b="1" dirty="0"/>
-          </a:p>
-        </p:txBody>
-      </p:sp>
-    </p:spTree>
-    <p:extLst>
-      <p:ext uri="{BB962C8B-B14F-4D97-AF65-F5344CB8AC3E}">
-        <p14:creationId xmlns:p14="http://schemas.microsoft.com/office/powerpoint/2010/main" val="626738471"/>
-      </p:ext>
-    </p:extLst>
-  </p:cSld>
-  <p:clrMapOvr>
-    <a:masterClrMapping/>
-  </p:clrMapOvr>
-</p:sld>
-</file>
-
-<file path=ppt/slides/slide21.xml><?xml version="1.0" encoding="utf-8"?>
-<p:sld xmlns:a="http://schemas.openxmlformats.org/drawingml/2006/main" xmlns:r="http://schemas.openxmlformats.org/officeDocument/2006/relationships" xmlns:p="http://schemas.openxmlformats.org/presentationml/2006/main">
-  <p:cSld>
-    <p:spTree>
-      <p:nvGrpSpPr>
-        <p:cNvPr id="1" name=""/>
-        <p:cNvGrpSpPr/>
-        <p:nvPr/>
-      </p:nvGrpSpPr>
-      <p:grpSpPr>
-        <a:xfrm>
-          <a:off x="0" y="0"/>
-          <a:ext cx="0" cy="0"/>
-          <a:chOff x="0" y="0"/>
-          <a:chExt cx="0" cy="0"/>
-        </a:xfrm>
-      </p:grpSpPr>
-      <p:sp>
-        <p:nvSpPr>
-          <p:cNvPr id="5" name="Прямоугольник 4"/>
-          <p:cNvSpPr/>
-          <p:nvPr/>
-        </p:nvSpPr>
-        <p:spPr>
-          <a:xfrm>
-            <a:off x="0" y="0"/>
-            <a:ext cx="12192000" cy="6858000"/>
-          </a:xfrm>
-          <a:prstGeom prst="rect">
-            <a:avLst/>
-          </a:prstGeom>
-          <a:solidFill>
-            <a:schemeClr val="tx2">
-              <a:lumMod val="75000"/>
-            </a:schemeClr>
-          </a:solidFill>
-        </p:spPr>
-        <p:style>
-          <a:lnRef idx="2">
-            <a:schemeClr val="accent1">
-              <a:shade val="50000"/>
-            </a:schemeClr>
-          </a:lnRef>
-          <a:fillRef idx="1">
-            <a:schemeClr val="accent1"/>
-          </a:fillRef>
-          <a:effectRef idx="0">
-            <a:schemeClr val="accent1"/>
-          </a:effectRef>
-          <a:fontRef idx="minor">
-            <a:schemeClr val="lt1"/>
-          </a:fontRef>
-        </p:style>
-        <p:txBody>
-          <a:bodyPr rtlCol="0" anchor="ctr"/>
-          <a:lstStyle/>
-          <a:p>
-            <a:pPr algn="ctr"/>
-            <a:r>
-              <a:rPr lang="en-US" sz="8000" b="1" dirty="0"/>
-              <a:t>3. </a:t>
-            </a:r>
-            <a:r>
-              <a:rPr lang="ru-RU" sz="8000" b="1" dirty="0"/>
-              <a:t>Хостинг</a:t>
-            </a:r>
-            <a:endParaRPr lang="uk-UA" sz="8000" b="1" dirty="0"/>
-          </a:p>
-        </p:txBody>
-      </p:sp>
-    </p:spTree>
-    <p:extLst>
-      <p:ext uri="{BB962C8B-B14F-4D97-AF65-F5344CB8AC3E}">
-        <p14:creationId xmlns:p14="http://schemas.microsoft.com/office/powerpoint/2010/main" val="3089917501"/>
-      </p:ext>
-    </p:extLst>
-  </p:cSld>
-  <p:clrMapOvr>
-    <a:masterClrMapping/>
-  </p:clrMapOvr>
-</p:sld>
-</file>
-
-<file path=ppt/slides/slide22.xml><?xml version="1.0" encoding="utf-8"?>
-<p:sld xmlns:a="http://schemas.openxmlformats.org/drawingml/2006/main" xmlns:r="http://schemas.openxmlformats.org/officeDocument/2006/relationships" xmlns:p="http://schemas.openxmlformats.org/presentationml/2006/main">
-  <p:cSld>
-    <p:spTree>
-      <p:nvGrpSpPr>
-        <p:cNvPr id="1" name=""/>
-        <p:cNvGrpSpPr/>
-        <p:nvPr/>
-      </p:nvGrpSpPr>
-      <p:grpSpPr>
-        <a:xfrm>
-          <a:off x="0" y="0"/>
-          <a:ext cx="0" cy="0"/>
-          <a:chOff x="0" y="0"/>
-          <a:chExt cx="0" cy="0"/>
-        </a:xfrm>
-      </p:grpSpPr>
-      <p:sp>
-        <p:nvSpPr>
-          <p:cNvPr id="37" name="Номер слайда 36"/>
-          <p:cNvSpPr>
-            <a:spLocks noGrp="1"/>
-          </p:cNvSpPr>
-          <p:nvPr>
-            <p:ph type="sldNum" sz="quarter" idx="12"/>
-          </p:nvPr>
-        </p:nvSpPr>
-        <p:spPr>
-          <a:xfrm>
-            <a:off x="11208568" y="6165304"/>
-            <a:ext cx="648072" cy="432048"/>
-          </a:xfrm>
-          <a:prstGeom prst="roundRect">
-            <a:avLst/>
-          </a:prstGeom>
-          <a:ln>
-            <a:solidFill>
-              <a:schemeClr val="tx2">
-                <a:lumMod val="60000"/>
-                <a:lumOff val="40000"/>
-              </a:schemeClr>
-            </a:solidFill>
-          </a:ln>
-        </p:spPr>
-        <p:style>
-          <a:lnRef idx="2">
-            <a:schemeClr val="accent1"/>
-          </a:lnRef>
-          <a:fillRef idx="1">
-            <a:schemeClr val="lt1"/>
-          </a:fillRef>
-          <a:effectRef idx="0">
-            <a:schemeClr val="accent1"/>
-          </a:effectRef>
-          <a:fontRef idx="minor">
-            <a:schemeClr val="dk1"/>
-          </a:fontRef>
-        </p:style>
-        <p:txBody>
-          <a:bodyPr/>
-          <a:lstStyle/>
-          <a:p>
-            <a:pPr algn="ctr"/>
-            <a:fld id="{6389AA22-90B4-448C-8B6B-C699140D38B9}" type="slidenum">
-              <a:rPr lang="uk-UA" sz="2400" b="1">
-                <a:solidFill>
-                  <a:schemeClr val="bg1">
-                    <a:lumMod val="50000"/>
-                  </a:schemeClr>
-                </a:solidFill>
-              </a:rPr>
-              <a:pPr algn="ctr"/>
-              <a:t>22</a:t>
-            </a:fld>
-            <a:endParaRPr lang="uk-UA" sz="2400" b="1" dirty="0">
-              <a:solidFill>
-                <a:schemeClr val="bg1">
-                  <a:lumMod val="50000"/>
-                </a:schemeClr>
-              </a:solidFill>
-            </a:endParaRPr>
-          </a:p>
-        </p:txBody>
-      </p:sp>
-      <p:pic>
-        <p:nvPicPr>
-          <p:cNvPr id="30729" name="Picture 9" descr="http://drtapac.biz/wp-content/uploads/2016/05/crosley-113.jpg"/>
-          <p:cNvPicPr>
-            <a:picLocks noChangeAspect="1" noChangeArrowheads="1"/>
-          </p:cNvPicPr>
-          <p:nvPr/>
-        </p:nvPicPr>
-        <p:blipFill>
-          <a:blip r:embed="rId2" cstate="print"/>
-          <a:srcRect/>
-          <a:stretch>
-            <a:fillRect/>
-          </a:stretch>
-        </p:blipFill>
-        <p:spPr bwMode="auto">
-          <a:xfrm>
-            <a:off x="623392" y="3354800"/>
-            <a:ext cx="1679106" cy="1442352"/>
-          </a:xfrm>
-          <a:prstGeom prst="rect">
-            <a:avLst/>
-          </a:prstGeom>
-          <a:noFill/>
-        </p:spPr>
-      </p:pic>
-      <p:pic>
-        <p:nvPicPr>
-          <p:cNvPr id="14" name="Picture 2" descr="http://winetwork.ru/images/configure%20routers/static%20ip.jpg"/>
-          <p:cNvPicPr>
-            <a:picLocks noChangeAspect="1" noChangeArrowheads="1"/>
-          </p:cNvPicPr>
-          <p:nvPr/>
-        </p:nvPicPr>
-        <p:blipFill>
-          <a:blip r:embed="rId3" cstate="print"/>
-          <a:srcRect/>
-          <a:stretch>
-            <a:fillRect/>
-          </a:stretch>
-        </p:blipFill>
-        <p:spPr bwMode="auto">
-          <a:xfrm>
-            <a:off x="6732242" y="1235166"/>
-            <a:ext cx="5107748" cy="2553874"/>
-          </a:xfrm>
-          <a:prstGeom prst="rect">
-            <a:avLst/>
-          </a:prstGeom>
-          <a:noFill/>
-        </p:spPr>
-      </p:pic>
-      <p:sp>
-        <p:nvSpPr>
-          <p:cNvPr id="2" name="Прямоугольник 1"/>
-          <p:cNvSpPr/>
-          <p:nvPr/>
-        </p:nvSpPr>
-        <p:spPr>
-          <a:xfrm>
-            <a:off x="2855640" y="5139189"/>
-            <a:ext cx="6912768" cy="954107"/>
-          </a:xfrm>
-          <a:prstGeom prst="rect">
-            <a:avLst/>
-          </a:prstGeom>
-        </p:spPr>
-        <p:txBody>
-          <a:bodyPr wrap="square">
-            <a:spAutoFit/>
-          </a:bodyPr>
-          <a:lstStyle/>
-          <a:p>
-            <a:pPr algn="ctr"/>
-            <a:r>
-              <a:rPr lang="en-US" sz="2800" b="1" dirty="0"/>
-              <a:t>IP-</a:t>
-            </a:r>
-            <a:r>
-              <a:rPr lang="ru-RU" sz="2800" b="1" dirty="0"/>
-              <a:t>адрес</a:t>
-            </a:r>
-            <a:r>
-              <a:rPr lang="uk-UA" sz="2800" b="1" dirty="0"/>
-              <a:t> </a:t>
-            </a:r>
-            <a:r>
-              <a:rPr lang="ru-RU" sz="2800" dirty="0"/>
-              <a:t>уникальный сетевой адрес узла в компьютерной сети</a:t>
-            </a:r>
-            <a:r>
-              <a:rPr lang="en-US" sz="2800" dirty="0"/>
-              <a:t> (</a:t>
-            </a:r>
-            <a:r>
-              <a:rPr lang="uk-UA" sz="2800" dirty="0" err="1"/>
-              <a:t>Интернете</a:t>
-            </a:r>
-            <a:r>
-              <a:rPr lang="en-US" sz="2800" dirty="0"/>
-              <a:t>)</a:t>
-            </a:r>
-            <a:endParaRPr lang="uk-UA" sz="2800" dirty="0"/>
-          </a:p>
-        </p:txBody>
-      </p:sp>
-      <p:sp>
-        <p:nvSpPr>
-          <p:cNvPr id="3" name="TextBox 2"/>
-          <p:cNvSpPr txBox="1"/>
-          <p:nvPr/>
-        </p:nvSpPr>
-        <p:spPr>
-          <a:xfrm>
-            <a:off x="-1" y="334397"/>
-            <a:ext cx="12192001" cy="707886"/>
-          </a:xfrm>
-          <a:prstGeom prst="rect">
-            <a:avLst/>
-          </a:prstGeom>
-          <a:noFill/>
-        </p:spPr>
-        <p:txBody>
-          <a:bodyPr wrap="square" rtlCol="0">
-            <a:spAutoFit/>
-          </a:bodyPr>
-          <a:lstStyle/>
-          <a:p>
-            <a:pPr algn="ctr"/>
-            <a:r>
-              <a:rPr lang="ru-RU" sz="4000" b="1" dirty="0"/>
-              <a:t>Адресация в Интернете</a:t>
-            </a:r>
-            <a:r>
-              <a:rPr lang="en-US" sz="4000" b="1" dirty="0"/>
-              <a:t> / IP </a:t>
-            </a:r>
-            <a:r>
-              <a:rPr lang="ru-RU" sz="4000" b="1" dirty="0"/>
-              <a:t>адрес</a:t>
-            </a:r>
-            <a:endParaRPr lang="uk-UA" sz="4000" b="1" dirty="0"/>
-          </a:p>
-        </p:txBody>
-      </p:sp>
-      <p:sp>
-        <p:nvSpPr>
-          <p:cNvPr id="7" name="Заголовок 1"/>
-          <p:cNvSpPr txBox="1">
-            <a:spLocks/>
-          </p:cNvSpPr>
-          <p:nvPr/>
-        </p:nvSpPr>
-        <p:spPr>
-          <a:xfrm>
-            <a:off x="2423593" y="4010703"/>
-            <a:ext cx="9768408" cy="498417"/>
-          </a:xfrm>
-          <a:prstGeom prst="rect">
-            <a:avLst/>
-          </a:prstGeom>
-        </p:spPr>
-        <p:txBody>
-          <a:bodyPr vert="horz" lIns="91440" tIns="45720" rIns="91440" bIns="45720" rtlCol="0" anchor="ctr">
-            <a:noAutofit/>
-          </a:bodyPr>
-          <a:lstStyle/>
-          <a:p>
-            <a:pPr>
-              <a:spcBef>
-                <a:spcPct val="0"/>
-              </a:spcBef>
-            </a:pPr>
-            <a:r>
-              <a:rPr lang="en-US" sz="3600" dirty="0">
-                <a:latin typeface="+mj-lt"/>
-                <a:ea typeface="+mj-ea"/>
-                <a:cs typeface="+mj-cs"/>
-              </a:rPr>
-              <a:t>IPv6:</a:t>
-            </a:r>
-            <a:r>
-              <a:rPr lang="ru-RU" sz="3600" dirty="0"/>
-              <a:t> </a:t>
-            </a:r>
-            <a:r>
-              <a:rPr lang="en-US" sz="3600" b="1" dirty="0"/>
-              <a:t>2001:0db8:11a3:09d7:1f34:8a2e:07a0:765d </a:t>
-            </a:r>
-            <a:r>
-              <a:rPr lang="en-US" sz="3600" dirty="0"/>
-              <a:t> </a:t>
-            </a:r>
-            <a:endParaRPr lang="uk-UA" sz="3600" b="1" dirty="0"/>
-          </a:p>
-        </p:txBody>
-      </p:sp>
-      <p:sp>
-        <p:nvSpPr>
-          <p:cNvPr id="8" name="Прямоугольник 7"/>
-          <p:cNvSpPr/>
-          <p:nvPr/>
-        </p:nvSpPr>
-        <p:spPr>
-          <a:xfrm>
-            <a:off x="1271464" y="1988840"/>
-            <a:ext cx="6984777" cy="646331"/>
-          </a:xfrm>
-          <a:prstGeom prst="rect">
-            <a:avLst/>
-          </a:prstGeom>
-        </p:spPr>
-        <p:txBody>
-          <a:bodyPr wrap="square">
-            <a:spAutoFit/>
-          </a:bodyPr>
-          <a:lstStyle/>
-          <a:p>
-            <a:pPr>
-              <a:spcBef>
-                <a:spcPct val="0"/>
-              </a:spcBef>
-            </a:pPr>
-            <a:r>
-              <a:rPr lang="en-US" sz="3600" dirty="0"/>
-              <a:t>IPv4: </a:t>
-            </a:r>
-            <a:r>
-              <a:rPr lang="en-US" sz="3600" b="1" dirty="0"/>
-              <a:t>77.222.150.27</a:t>
-            </a:r>
-            <a:r>
-              <a:rPr lang="en-US" sz="3600" dirty="0"/>
-              <a:t> </a:t>
-            </a:r>
-          </a:p>
-        </p:txBody>
-      </p:sp>
-    </p:spTree>
-    <p:extLst>
-      <p:ext uri="{BB962C8B-B14F-4D97-AF65-F5344CB8AC3E}">
-        <p14:creationId xmlns:p14="http://schemas.microsoft.com/office/powerpoint/2010/main" val="1106840640"/>
-      </p:ext>
-    </p:extLst>
-  </p:cSld>
-  <p:clrMapOvr>
-    <a:masterClrMapping/>
-  </p:clrMapOvr>
-</p:sld>
-</file>
-
-<file path=ppt/slides/slide23.xml><?xml version="1.0" encoding="utf-8"?>
-<p:sld xmlns:a="http://schemas.openxmlformats.org/drawingml/2006/main" xmlns:r="http://schemas.openxmlformats.org/officeDocument/2006/relationships" xmlns:p="http://schemas.openxmlformats.org/presentationml/2006/main">
-  <p:cSld>
-    <p:spTree>
-      <p:nvGrpSpPr>
-        <p:cNvPr id="1" name=""/>
-        <p:cNvGrpSpPr/>
-        <p:nvPr/>
-      </p:nvGrpSpPr>
-      <p:grpSpPr>
-        <a:xfrm>
-          <a:off x="0" y="0"/>
-          <a:ext cx="0" cy="0"/>
-          <a:chOff x="0" y="0"/>
-          <a:chExt cx="0" cy="0"/>
-        </a:xfrm>
-      </p:grpSpPr>
-      <p:sp>
-        <p:nvSpPr>
-          <p:cNvPr id="37" name="Номер слайда 36"/>
-          <p:cNvSpPr>
-            <a:spLocks noGrp="1"/>
-          </p:cNvSpPr>
-          <p:nvPr>
-            <p:ph type="sldNum" sz="quarter" idx="12"/>
-          </p:nvPr>
-        </p:nvSpPr>
-        <p:spPr>
-          <a:xfrm>
-            <a:off x="11208568" y="6165304"/>
-            <a:ext cx="648072" cy="432048"/>
-          </a:xfrm>
-          <a:prstGeom prst="roundRect">
-            <a:avLst/>
-          </a:prstGeom>
-          <a:ln>
-            <a:solidFill>
-              <a:schemeClr val="tx2">
-                <a:lumMod val="60000"/>
-                <a:lumOff val="40000"/>
-              </a:schemeClr>
-            </a:solidFill>
-          </a:ln>
-        </p:spPr>
-        <p:style>
-          <a:lnRef idx="2">
-            <a:schemeClr val="accent1"/>
-          </a:lnRef>
-          <a:fillRef idx="1">
-            <a:schemeClr val="lt1"/>
-          </a:fillRef>
-          <a:effectRef idx="0">
-            <a:schemeClr val="accent1"/>
-          </a:effectRef>
-          <a:fontRef idx="minor">
-            <a:schemeClr val="dk1"/>
-          </a:fontRef>
-        </p:style>
-        <p:txBody>
-          <a:bodyPr/>
-          <a:lstStyle/>
-          <a:p>
-            <a:pPr algn="ctr"/>
-            <a:fld id="{6389AA22-90B4-448C-8B6B-C699140D38B9}" type="slidenum">
-              <a:rPr lang="uk-UA" sz="2400" b="1">
-                <a:solidFill>
-                  <a:schemeClr val="bg1">
-                    <a:lumMod val="50000"/>
-                  </a:schemeClr>
-                </a:solidFill>
-              </a:rPr>
-              <a:pPr algn="ctr"/>
               <a:t>23</a:t>
             </a:fld>
             <a:endParaRPr lang="uk-UA" sz="2400" b="1" dirty="0">
@@ -10593,67 +10868,14 @@
       </p:sp>
       <p:sp>
         <p:nvSpPr>
-          <p:cNvPr id="58" name="Заголовок 1"/>
-          <p:cNvSpPr txBox="1">
-            <a:spLocks/>
-          </p:cNvSpPr>
-          <p:nvPr/>
-        </p:nvSpPr>
-        <p:spPr>
-          <a:xfrm>
-            <a:off x="0" y="260648"/>
-            <a:ext cx="12192000" cy="706090"/>
-          </a:xfrm>
-          <a:prstGeom prst="rect">
-            <a:avLst/>
-          </a:prstGeom>
-        </p:spPr>
-        <p:txBody>
-          <a:bodyPr vert="horz" lIns="91440" tIns="45720" rIns="91440" bIns="45720" rtlCol="0" anchor="ctr">
-            <a:normAutofit fontScale="97500"/>
-          </a:bodyPr>
-          <a:lstStyle/>
-          <a:p>
-            <a:pPr algn="ctr">
-              <a:spcBef>
-                <a:spcPct val="0"/>
-              </a:spcBef>
-              <a:defRPr/>
-            </a:pPr>
-            <a:r>
-              <a:rPr lang="en-US" sz="3200" b="1" dirty="0">
-                <a:latin typeface="+mj-lt"/>
-                <a:ea typeface="+mj-ea"/>
-                <a:cs typeface="+mj-cs"/>
-              </a:rPr>
-              <a:t>DNS – </a:t>
-            </a:r>
-            <a:r>
-              <a:rPr lang="ru-RU" sz="3200" b="1" dirty="0">
-                <a:latin typeface="+mj-lt"/>
-                <a:ea typeface="+mj-ea"/>
-                <a:cs typeface="+mj-cs"/>
-              </a:rPr>
-              <a:t>всемирная «адресная книга»</a:t>
-            </a:r>
-            <a:endParaRPr lang="uk-UA" sz="3200" b="1" dirty="0">
-              <a:latin typeface="+mj-lt"/>
-              <a:ea typeface="+mj-ea"/>
-              <a:cs typeface="+mj-cs"/>
-            </a:endParaRPr>
-          </a:p>
-        </p:txBody>
-      </p:sp>
-      <p:sp>
-        <p:nvSpPr>
-          <p:cNvPr id="82" name="TextBox 81"/>
+          <p:cNvPr id="2" name="TextBox 1"/>
           <p:cNvSpPr txBox="1"/>
           <p:nvPr/>
         </p:nvSpPr>
         <p:spPr>
           <a:xfrm>
-            <a:off x="3003992" y="4500409"/>
-            <a:ext cx="2504212" cy="584775"/>
+            <a:off x="7104112" y="1340768"/>
+            <a:ext cx="3430646" cy="2554545"/>
           </a:xfrm>
           <a:prstGeom prst="rect">
             <a:avLst/>
@@ -10661,29 +10883,41 @@
           <a:noFill/>
         </p:spPr>
         <p:txBody>
-          <a:bodyPr wrap="none" rtlCol="0">
+          <a:bodyPr wrap="square" rtlCol="0">
             <a:spAutoFit/>
           </a:bodyPr>
           <a:lstStyle/>
           <a:p>
             <a:r>
-              <a:rPr lang="en-US" sz="3200" b="1" dirty="0"/>
-              <a:t>wikipedia.org</a:t>
-            </a:r>
-            <a:endParaRPr lang="uk-UA" sz="3200" b="1" dirty="0"/>
-          </a:p>
-        </p:txBody>
-      </p:sp>
-      <p:sp>
-        <p:nvSpPr>
-          <p:cNvPr id="84" name="Прямоугольник 83"/>
+              <a:rPr lang="ru-RU" sz="2000" b="1" dirty="0"/>
+              <a:t>Статический хостинг </a:t>
+            </a:r>
+            <a:r>
+              <a:rPr lang="ru-RU" sz="2000" dirty="0"/>
+              <a:t>– хостинг которых предлагает только размещение файлов сайта. Подходит для сайтов которым не нужны серверные инструменты (например: </a:t>
+            </a:r>
+            <a:r>
+              <a:rPr lang="en-US" sz="2000" dirty="0"/>
+              <a:t>PHP </a:t>
+            </a:r>
+            <a:r>
+              <a:rPr lang="ru-RU" sz="2000" dirty="0"/>
+              <a:t>сценарии, база данных и т.п.).</a:t>
+            </a:r>
+            <a:endParaRPr lang="uk-UA" sz="2000" dirty="0"/>
+          </a:p>
+        </p:txBody>
+      </p:sp>
+      <p:sp>
+        <p:nvSpPr>
+          <p:cNvPr id="3" name="Прямоугольник 2"/>
           <p:cNvSpPr/>
           <p:nvPr/>
         </p:nvSpPr>
         <p:spPr>
           <a:xfrm>
-            <a:off x="6820419" y="4500409"/>
-            <a:ext cx="2803973" cy="584775"/>
+            <a:off x="2863676" y="4365104"/>
+            <a:ext cx="3448573" cy="523220"/>
           </a:xfrm>
           <a:prstGeom prst="rect">
             <a:avLst/>
@@ -10696,151 +10930,39 @@
           <a:lstStyle/>
           <a:p>
             <a:r>
-              <a:rPr lang="en-US" sz="3200" b="1" dirty="0"/>
-              <a:t>91.198.174.192</a:t>
-            </a:r>
-            <a:endParaRPr lang="uk-UA" sz="3200" b="1" dirty="0"/>
-          </a:p>
-        </p:txBody>
-      </p:sp>
-      <p:sp>
-        <p:nvSpPr>
-          <p:cNvPr id="90" name="Стрелка вправо 89"/>
-          <p:cNvSpPr/>
-          <p:nvPr/>
-        </p:nvSpPr>
-        <p:spPr>
-          <a:xfrm>
-            <a:off x="5879976" y="4540765"/>
-            <a:ext cx="724416" cy="504056"/>
-          </a:xfrm>
-          <a:prstGeom prst="rightArrow">
-            <a:avLst/>
-          </a:prstGeom>
-          <a:noFill/>
-          <a:ln>
-            <a:solidFill>
-              <a:srgbClr val="00B0F0"/>
-            </a:solidFill>
-          </a:ln>
-        </p:spPr>
-        <p:style>
-          <a:lnRef idx="2">
-            <a:schemeClr val="accent1">
-              <a:shade val="50000"/>
-            </a:schemeClr>
-          </a:lnRef>
-          <a:fillRef idx="1">
-            <a:schemeClr val="accent1"/>
-          </a:fillRef>
-          <a:effectRef idx="0">
-            <a:schemeClr val="accent1"/>
-          </a:effectRef>
-          <a:fontRef idx="minor">
-            <a:schemeClr val="lt1"/>
-          </a:fontRef>
-        </p:style>
-        <p:txBody>
-          <a:bodyPr rtlCol="0" anchor="ctr"/>
-          <a:lstStyle/>
-          <a:p>
-            <a:pPr algn="ctr"/>
-            <a:endParaRPr lang="uk-UA" dirty="0"/>
-          </a:p>
-        </p:txBody>
-      </p:sp>
-      <p:sp>
-        <p:nvSpPr>
-          <p:cNvPr id="9" name="TextBox 8"/>
-          <p:cNvSpPr txBox="1"/>
-          <p:nvPr/>
-        </p:nvSpPr>
-        <p:spPr>
-          <a:xfrm>
-            <a:off x="0" y="1023119"/>
-            <a:ext cx="12191999" cy="461665"/>
-          </a:xfrm>
-          <a:prstGeom prst="rect">
-            <a:avLst/>
-          </a:prstGeom>
-          <a:noFill/>
-        </p:spPr>
-        <p:txBody>
-          <a:bodyPr wrap="square" rtlCol="0">
-            <a:spAutoFit/>
-          </a:bodyPr>
-          <a:lstStyle/>
-          <a:p>
-            <a:pPr algn="ctr"/>
-            <a:r>
-              <a:rPr lang="en-US" sz="2400" b="1" dirty="0"/>
-              <a:t>(Domain Name System</a:t>
-            </a:r>
-            <a:r>
-              <a:rPr lang="ru-RU" sz="2400" b="1" dirty="0"/>
-              <a:t> – Система Доменных Имён</a:t>
-            </a:r>
-            <a:r>
-              <a:rPr lang="en-US" sz="2400" b="1" dirty="0"/>
-              <a:t>) </a:t>
-            </a:r>
-            <a:endParaRPr lang="uk-UA" sz="2400" b="1" dirty="0"/>
+              <a:rPr lang="uk-UA" sz="2800" b="1" dirty="0">
+                <a:hlinkClick r:id="rId2"/>
+              </a:rPr>
+              <a:t>https://neocities.org/</a:t>
+            </a:r>
+            <a:endParaRPr lang="uk-UA" sz="2800" b="1" dirty="0"/>
           </a:p>
         </p:txBody>
       </p:sp>
       <p:pic>
         <p:nvPicPr>
-          <p:cNvPr id="25602" name="Picture 2" descr="http://www.yellowpages.com.iq/img/yellow_page_pdf_btn.png"/>
+          <p:cNvPr id="6" name="Рисунок 5"/>
           <p:cNvPicPr>
-            <a:picLocks noChangeAspect="1" noChangeArrowheads="1"/>
+            <a:picLocks noChangeAspect="1"/>
           </p:cNvPicPr>
           <p:nvPr/>
         </p:nvPicPr>
         <p:blipFill>
-          <a:blip r:embed="rId2" cstate="print"/>
-          <a:srcRect/>
+          <a:blip r:embed="rId3"/>
           <a:stretch>
             <a:fillRect/>
           </a:stretch>
         </p:blipFill>
-        <p:spPr bwMode="auto">
-          <a:xfrm>
-            <a:off x="2704728" y="1625055"/>
-            <a:ext cx="3319264" cy="2524025"/>
-          </a:xfrm>
-          <a:prstGeom prst="rect">
-            <a:avLst/>
-          </a:prstGeom>
-          <a:noFill/>
-        </p:spPr>
-      </p:pic>
-      <p:pic>
-        <p:nvPicPr>
-          <p:cNvPr id="25606" name="Picture 6" descr="http://nicksherman.com/articles/bellCentennial/inUse.jpg"/>
-          <p:cNvPicPr>
-            <a:picLocks noChangeAspect="1" noChangeArrowheads="1"/>
-          </p:cNvPicPr>
-          <p:nvPr/>
-        </p:nvPicPr>
-        <p:blipFill>
-          <a:blip r:embed="rId3" cstate="print"/>
-          <a:srcRect/>
-          <a:stretch>
-            <a:fillRect/>
-          </a:stretch>
-        </p:blipFill>
-        <p:spPr bwMode="auto">
-          <a:xfrm>
-            <a:off x="6528048" y="1625055"/>
-            <a:ext cx="3272880" cy="2454660"/>
+        <p:spPr>
+          <a:xfrm>
+            <a:off x="2405302" y="1253890"/>
+            <a:ext cx="4365323" cy="2895190"/>
           </a:xfrm>
           <a:prstGeom prst="rect">
             <a:avLst/>
           </a:prstGeom>
           <a:ln>
-            <a:solidFill>
-              <a:srgbClr val="00B0F0"/>
-            </a:solidFill>
+            <a:noFill/>
           </a:ln>
           <a:effectLst>
             <a:outerShdw blurRad="292100" dist="139700" dir="2700000" algn="tl" rotWithShape="0">
@@ -10853,62 +10975,59 @@
       </p:pic>
       <p:sp>
         <p:nvSpPr>
-          <p:cNvPr id="2" name="Прямоугольник 1"/>
-          <p:cNvSpPr/>
+          <p:cNvPr id="5" name="TextBox 4"/>
+          <p:cNvSpPr txBox="1"/>
           <p:nvPr/>
         </p:nvSpPr>
         <p:spPr>
           <a:xfrm>
-            <a:off x="1559496" y="5334307"/>
-            <a:ext cx="9289032" cy="830997"/>
+            <a:off x="4799857" y="4941169"/>
+            <a:ext cx="5400599" cy="1015663"/>
           </a:xfrm>
           <a:prstGeom prst="rect">
             <a:avLst/>
           </a:prstGeom>
+          <a:noFill/>
         </p:spPr>
         <p:txBody>
-          <a:bodyPr wrap="square">
+          <a:bodyPr wrap="square" rtlCol="0">
             <a:spAutoFit/>
           </a:bodyPr>
           <a:lstStyle/>
           <a:p>
-            <a:pPr algn="ctr"/>
-            <a:r>
-              <a:rPr lang="ru-RU" sz="2400" dirty="0"/>
-              <a:t>Основная задача </a:t>
-            </a:r>
-            <a:r>
-              <a:rPr lang="en-US" sz="2400" b="1" dirty="0"/>
-              <a:t>DNS </a:t>
-            </a:r>
-            <a:r>
-              <a:rPr lang="ru-RU" sz="2400" dirty="0"/>
-              <a:t>сообщать </a:t>
-            </a:r>
-            <a:r>
-              <a:rPr lang="en-US" sz="2400" b="1" dirty="0"/>
-              <a:t>IP-</a:t>
-            </a:r>
-            <a:r>
-              <a:rPr lang="ru-RU" sz="2400" b="1" dirty="0"/>
-              <a:t>адрес </a:t>
-            </a:r>
-            <a:r>
-              <a:rPr lang="ru-RU" sz="2400" dirty="0"/>
-              <a:t>компьютера который скрывается под тем или иным доменным именем.</a:t>
-            </a:r>
-            <a:r>
-              <a:rPr lang="en-US" sz="2400" dirty="0"/>
+            <a:pPr algn="r"/>
+            <a:r>
+              <a:rPr lang="ru-RU" sz="2000" b="1" i="1" dirty="0"/>
+              <a:t>Примечание: </a:t>
+            </a:r>
+            <a:r>
+              <a:rPr lang="ru-RU" sz="2000" i="1" dirty="0"/>
+              <a:t>имя файла главной страницы должно быть </a:t>
+            </a:r>
+            <a:r>
+              <a:rPr lang="en-US" sz="2000" b="1" i="1" dirty="0">
+                <a:solidFill>
+                  <a:srgbClr val="FF0000"/>
+                </a:solidFill>
+              </a:rPr>
+              <a:t>index.html</a:t>
+            </a:r>
+            <a:r>
+              <a:rPr lang="en-US" sz="2000" i="1" dirty="0"/>
               <a:t> </a:t>
             </a:r>
-            <a:endParaRPr lang="uk-UA" sz="2400" dirty="0"/>
+            <a:r>
+              <a:rPr lang="ru-RU" sz="2000" i="1" dirty="0"/>
+              <a:t>имена остальных страниц могут быть любыми.</a:t>
+            </a:r>
+            <a:endParaRPr lang="uk-UA" sz="2000" i="1" dirty="0"/>
           </a:p>
         </p:txBody>
       </p:sp>
     </p:spTree>
     <p:extLst>
       <p:ext uri="{BB962C8B-B14F-4D97-AF65-F5344CB8AC3E}">
-        <p14:creationId xmlns:p14="http://schemas.microsoft.com/office/powerpoint/2010/main" val="1136467543"/>
+        <p14:creationId xmlns:p14="http://schemas.microsoft.com/office/powerpoint/2010/main" val="2257134307"/>
       </p:ext>
     </p:extLst>
   </p:cSld>
@@ -10937,14 +11056,93 @@
       </p:grpSpPr>
       <p:sp>
         <p:nvSpPr>
-          <p:cNvPr id="8" name="TextBox 7"/>
+          <p:cNvPr id="5" name="Прямоугольник 4"/>
+          <p:cNvSpPr/>
+          <p:nvPr/>
+        </p:nvSpPr>
+        <p:spPr>
+          <a:xfrm>
+            <a:off x="0" y="0"/>
+            <a:ext cx="12192000" cy="6858000"/>
+          </a:xfrm>
+          <a:prstGeom prst="rect">
+            <a:avLst/>
+          </a:prstGeom>
+          <a:solidFill>
+            <a:schemeClr val="tx2">
+              <a:lumMod val="75000"/>
+            </a:schemeClr>
+          </a:solidFill>
+        </p:spPr>
+        <p:style>
+          <a:lnRef idx="2">
+            <a:schemeClr val="accent1">
+              <a:shade val="50000"/>
+            </a:schemeClr>
+          </a:lnRef>
+          <a:fillRef idx="1">
+            <a:schemeClr val="accent1"/>
+          </a:fillRef>
+          <a:effectRef idx="0">
+            <a:schemeClr val="accent1"/>
+          </a:effectRef>
+          <a:fontRef idx="minor">
+            <a:schemeClr val="lt1"/>
+          </a:fontRef>
+        </p:style>
+        <p:txBody>
+          <a:bodyPr rtlCol="0" anchor="ctr"/>
+          <a:lstStyle/>
+          <a:p>
+            <a:pPr algn="ctr"/>
+            <a:r>
+              <a:rPr lang="ru-RU" sz="6600" b="1" dirty="0"/>
+              <a:t>Будет полезным…</a:t>
+            </a:r>
+            <a:endParaRPr lang="uk-UA" sz="6600" b="1" dirty="0"/>
+          </a:p>
+        </p:txBody>
+      </p:sp>
+    </p:spTree>
+    <p:extLst>
+      <p:ext uri="{BB962C8B-B14F-4D97-AF65-F5344CB8AC3E}">
+        <p14:creationId xmlns:p14="http://schemas.microsoft.com/office/powerpoint/2010/main" val="1831295201"/>
+      </p:ext>
+    </p:extLst>
+  </p:cSld>
+  <p:clrMapOvr>
+    <a:masterClrMapping/>
+  </p:clrMapOvr>
+</p:sld>
+</file>
+
+<file path=ppt/slides/slide25.xml><?xml version="1.0" encoding="utf-8"?>
+<p:sld xmlns:a="http://schemas.openxmlformats.org/drawingml/2006/main" xmlns:r="http://schemas.openxmlformats.org/officeDocument/2006/relationships" xmlns:p="http://schemas.openxmlformats.org/presentationml/2006/main">
+  <p:cSld>
+    <p:spTree>
+      <p:nvGrpSpPr>
+        <p:cNvPr id="1" name=""/>
+        <p:cNvGrpSpPr/>
+        <p:nvPr/>
+      </p:nvGrpSpPr>
+      <p:grpSpPr>
+        <a:xfrm>
+          <a:off x="0" y="0"/>
+          <a:ext cx="0" cy="0"/>
+          <a:chOff x="0" y="0"/>
+          <a:chExt cx="0" cy="0"/>
+        </a:xfrm>
+      </p:grpSpPr>
+      <p:sp>
+        <p:nvSpPr>
+          <p:cNvPr id="7" name="TextBox 6"/>
           <p:cNvSpPr txBox="1"/>
           <p:nvPr/>
         </p:nvSpPr>
         <p:spPr>
           <a:xfrm>
-            <a:off x="2135560" y="404665"/>
-            <a:ext cx="7920880" cy="646331"/>
+            <a:off x="0" y="5944925"/>
+            <a:ext cx="12192000" cy="584775"/>
           </a:xfrm>
           <a:prstGeom prst="rect">
             <a:avLst/>
@@ -10959,14 +11157,52 @@
           <a:p>
             <a:pPr algn="ctr"/>
             <a:r>
-              <a:rPr lang="en-US" sz="3600" b="1" dirty="0"/>
-              <a:t>NeoCities.org – </a:t>
-            </a:r>
-            <a:r>
-              <a:rPr lang="ru-RU" sz="3600" b="1" dirty="0"/>
-              <a:t>статический хостинг</a:t>
-            </a:r>
-            <a:endParaRPr lang="en-US" sz="3600" b="1" dirty="0"/>
+              <a:rPr lang="en-US" sz="3200" b="1" u="sng" dirty="0">
+                <a:solidFill>
+                  <a:srgbClr val="3333CC"/>
+                </a:solidFill>
+              </a:rPr>
+              <a:t>https://htmlreference.io/</a:t>
+            </a:r>
+            <a:endParaRPr lang="uk-UA" sz="3200" u="sng" dirty="0">
+              <a:solidFill>
+                <a:srgbClr val="3333CC"/>
+              </a:solidFill>
+            </a:endParaRPr>
+          </a:p>
+        </p:txBody>
+      </p:sp>
+      <p:sp>
+        <p:nvSpPr>
+          <p:cNvPr id="8" name="TextBox 7"/>
+          <p:cNvSpPr txBox="1"/>
+          <p:nvPr/>
+        </p:nvSpPr>
+        <p:spPr>
+          <a:xfrm>
+            <a:off x="0" y="251937"/>
+            <a:ext cx="12192000" cy="584775"/>
+          </a:xfrm>
+          <a:prstGeom prst="rect">
+            <a:avLst/>
+          </a:prstGeom>
+          <a:noFill/>
+        </p:spPr>
+        <p:txBody>
+          <a:bodyPr wrap="square" rtlCol="0">
+            <a:spAutoFit/>
+          </a:bodyPr>
+          <a:lstStyle/>
+          <a:p>
+            <a:pPr algn="ctr"/>
+            <a:r>
+              <a:rPr lang="ru-RU" sz="3200" b="1" dirty="0"/>
+              <a:t>Справочники по </a:t>
+            </a:r>
+            <a:r>
+              <a:rPr lang="en-US" sz="3200" b="1" dirty="0"/>
+              <a:t>HTML</a:t>
+            </a:r>
           </a:p>
         </p:txBody>
       </p:sp>
@@ -10980,7 +11216,7 @@
         </p:nvSpPr>
         <p:spPr>
           <a:xfrm>
-            <a:off x="11208568" y="6165304"/>
+            <a:off x="11136560" y="6100419"/>
             <a:ext cx="648072" cy="432048"/>
           </a:xfrm>
           <a:prstGeom prst="roundRect">
@@ -11028,7 +11264,7 @@
               <a:pPr algn="ctr">
                 <a:defRPr/>
               </a:pPr>
-              <a:t>24</a:t>
+              <a:t>25</a:t>
             </a:fld>
             <a:endParaRPr lang="uk-UA" sz="2400" b="1" dirty="0">
               <a:solidFill>
@@ -11040,123 +11276,46 @@
           </a:p>
         </p:txBody>
       </p:sp>
-      <p:sp>
-        <p:nvSpPr>
-          <p:cNvPr id="2" name="TextBox 1"/>
-          <p:cNvSpPr txBox="1"/>
-          <p:nvPr/>
-        </p:nvSpPr>
-        <p:spPr>
-          <a:xfrm>
-            <a:off x="7104112" y="1340768"/>
-            <a:ext cx="3430646" cy="2554545"/>
-          </a:xfrm>
-          <a:prstGeom prst="rect">
-            <a:avLst/>
-          </a:prstGeom>
-          <a:noFill/>
-        </p:spPr>
-        <p:txBody>
-          <a:bodyPr wrap="square" rtlCol="0">
-            <a:spAutoFit/>
-          </a:bodyPr>
-          <a:lstStyle/>
-          <a:p>
-            <a:r>
-              <a:rPr lang="ru-RU" sz="2000" b="1" dirty="0"/>
-              <a:t>Статический хостинг </a:t>
-            </a:r>
-            <a:r>
-              <a:rPr lang="ru-RU" sz="2000" dirty="0"/>
-              <a:t>– хостинг которых предлагает только размещение файлов сайта. Подходит для сайтов которым не нужны серверные инструменты (например: </a:t>
-            </a:r>
-            <a:r>
-              <a:rPr lang="en-US" sz="2000" dirty="0"/>
-              <a:t>PHP </a:t>
-            </a:r>
-            <a:r>
-              <a:rPr lang="ru-RU" sz="2000" dirty="0"/>
-              <a:t>сценарии, база данных и т.п.).</a:t>
-            </a:r>
-            <a:endParaRPr lang="uk-UA" sz="2000" dirty="0"/>
-          </a:p>
-        </p:txBody>
-      </p:sp>
-      <p:sp>
-        <p:nvSpPr>
-          <p:cNvPr id="3" name="Прямоугольник 2"/>
-          <p:cNvSpPr/>
-          <p:nvPr/>
-        </p:nvSpPr>
-        <p:spPr>
-          <a:xfrm>
-            <a:off x="2863676" y="4365104"/>
-            <a:ext cx="3448573" cy="523220"/>
-          </a:xfrm>
-          <a:prstGeom prst="rect">
-            <a:avLst/>
-          </a:prstGeom>
-        </p:spPr>
-        <p:txBody>
-          <a:bodyPr wrap="none">
-            <a:spAutoFit/>
-          </a:bodyPr>
-          <a:lstStyle/>
-          <a:p>
-            <a:r>
-              <a:rPr lang="uk-UA" sz="2800" b="1" dirty="0">
-                <a:hlinkClick r:id="rId2"/>
-              </a:rPr>
-              <a:t>https://neocities.org/</a:t>
-            </a:r>
-            <a:endParaRPr lang="uk-UA" sz="2800" b="1" dirty="0"/>
-          </a:p>
-        </p:txBody>
-      </p:sp>
       <p:pic>
         <p:nvPicPr>
-          <p:cNvPr id="6" name="Рисунок 5"/>
+          <p:cNvPr id="2" name="Рисунок 1"/>
           <p:cNvPicPr>
             <a:picLocks noChangeAspect="1"/>
           </p:cNvPicPr>
           <p:nvPr/>
         </p:nvPicPr>
         <p:blipFill>
-          <a:blip r:embed="rId3"/>
+          <a:blip r:embed="rId2"/>
           <a:stretch>
             <a:fillRect/>
           </a:stretch>
         </p:blipFill>
         <p:spPr>
           <a:xfrm>
-            <a:off x="2405302" y="1253890"/>
-            <a:ext cx="4365323" cy="2895190"/>
+            <a:off x="2878784" y="1075882"/>
+            <a:ext cx="6434432" cy="3939294"/>
           </a:xfrm>
           <a:prstGeom prst="rect">
             <a:avLst/>
           </a:prstGeom>
-          <a:ln>
-            <a:noFill/>
-          </a:ln>
-          <a:effectLst>
-            <a:outerShdw blurRad="292100" dist="139700" dir="2700000" algn="tl" rotWithShape="0">
-              <a:srgbClr val="333333">
-                <a:alpha val="65000"/>
-              </a:srgbClr>
-            </a:outerShdw>
-          </a:effectLst>
         </p:spPr>
       </p:pic>
       <p:sp>
         <p:nvSpPr>
-          <p:cNvPr id="5" name="TextBox 4"/>
+          <p:cNvPr id="9" name="TextBox 8">
+            <a:extLst>
+              <a:ext uri="{FF2B5EF4-FFF2-40B4-BE49-F238E27FC236}">
+                <a16:creationId xmlns:a16="http://schemas.microsoft.com/office/drawing/2014/main" id="{5299C90D-AC5D-D642-A49A-283196750356}"/>
+              </a:ext>
+            </a:extLst>
+          </p:cNvPr>
           <p:cNvSpPr txBox="1"/>
           <p:nvPr/>
         </p:nvSpPr>
         <p:spPr>
           <a:xfrm>
-            <a:off x="4799857" y="4941169"/>
-            <a:ext cx="5400599" cy="1015663"/>
+            <a:off x="0" y="5301208"/>
+            <a:ext cx="12192000" cy="1077218"/>
           </a:xfrm>
           <a:prstGeom prst="rect">
             <a:avLst/>
@@ -11164,123 +11323,30 @@
           <a:noFill/>
         </p:spPr>
         <p:txBody>
-          <a:bodyPr wrap="square" rtlCol="0">
+          <a:bodyPr wrap="square">
             <a:spAutoFit/>
           </a:bodyPr>
           <a:lstStyle/>
           <a:p>
-            <a:pPr algn="r"/>
-            <a:r>
-              <a:rPr lang="ru-RU" sz="2000" b="1" i="1" dirty="0"/>
-              <a:t>Примечание: </a:t>
-            </a:r>
-            <a:r>
-              <a:rPr lang="ru-RU" sz="2000" i="1" dirty="0"/>
-              <a:t>имя файла главной страницы должно быть </a:t>
-            </a:r>
-            <a:r>
-              <a:rPr lang="en-US" sz="2000" b="1" i="1" dirty="0">
-                <a:solidFill>
-                  <a:srgbClr val="FF0000"/>
-                </a:solidFill>
-              </a:rPr>
-              <a:t>index.html</a:t>
-            </a:r>
-            <a:r>
-              <a:rPr lang="en-US" sz="2000" i="1" dirty="0"/>
-              <a:t> </a:t>
-            </a:r>
-            <a:r>
-              <a:rPr lang="ru-RU" sz="2000" i="1" dirty="0"/>
-              <a:t>имена остальных страниц могут быть любыми.</a:t>
-            </a:r>
-            <a:endParaRPr lang="uk-UA" sz="2000" i="1" dirty="0"/>
+            <a:pPr algn="ctr"/>
+            <a:r>
+              <a:rPr lang="en-US" sz="3200" b="1" dirty="0">
+                <a:hlinkClick r:id="rId3"/>
+              </a:rPr>
+              <a:t>https://html-css.co.ua/html/</a:t>
+            </a:r>
+            <a:endParaRPr lang="uk-UA" sz="3200" b="1" dirty="0"/>
+          </a:p>
+          <a:p>
+            <a:pPr algn="ctr"/>
+            <a:endParaRPr lang="uk-UA" sz="3200" b="1" dirty="0"/>
           </a:p>
         </p:txBody>
       </p:sp>
     </p:spTree>
     <p:extLst>
       <p:ext uri="{BB962C8B-B14F-4D97-AF65-F5344CB8AC3E}">
-        <p14:creationId xmlns:p14="http://schemas.microsoft.com/office/powerpoint/2010/main" val="2257134307"/>
-      </p:ext>
-    </p:extLst>
-  </p:cSld>
-  <p:clrMapOvr>
-    <a:masterClrMapping/>
-  </p:clrMapOvr>
-</p:sld>
-</file>
-
-<file path=ppt/slides/slide25.xml><?xml version="1.0" encoding="utf-8"?>
-<p:sld xmlns:a="http://schemas.openxmlformats.org/drawingml/2006/main" xmlns:r="http://schemas.openxmlformats.org/officeDocument/2006/relationships" xmlns:p="http://schemas.openxmlformats.org/presentationml/2006/main">
-  <p:cSld>
-    <p:spTree>
-      <p:nvGrpSpPr>
-        <p:cNvPr id="1" name=""/>
-        <p:cNvGrpSpPr/>
-        <p:nvPr/>
-      </p:nvGrpSpPr>
-      <p:grpSpPr>
-        <a:xfrm>
-          <a:off x="0" y="0"/>
-          <a:ext cx="0" cy="0"/>
-          <a:chOff x="0" y="0"/>
-          <a:chExt cx="0" cy="0"/>
-        </a:xfrm>
-      </p:grpSpPr>
-      <p:sp>
-        <p:nvSpPr>
-          <p:cNvPr id="5" name="Прямоугольник 4"/>
-          <p:cNvSpPr/>
-          <p:nvPr/>
-        </p:nvSpPr>
-        <p:spPr>
-          <a:xfrm>
-            <a:off x="0" y="0"/>
-            <a:ext cx="12192000" cy="6858000"/>
-          </a:xfrm>
-          <a:prstGeom prst="rect">
-            <a:avLst/>
-          </a:prstGeom>
-          <a:solidFill>
-            <a:schemeClr val="tx2">
-              <a:lumMod val="75000"/>
-            </a:schemeClr>
-          </a:solidFill>
-        </p:spPr>
-        <p:style>
-          <a:lnRef idx="2">
-            <a:schemeClr val="accent1">
-              <a:shade val="50000"/>
-            </a:schemeClr>
-          </a:lnRef>
-          <a:fillRef idx="1">
-            <a:schemeClr val="accent1"/>
-          </a:fillRef>
-          <a:effectRef idx="0">
-            <a:schemeClr val="accent1"/>
-          </a:effectRef>
-          <a:fontRef idx="minor">
-            <a:schemeClr val="lt1"/>
-          </a:fontRef>
-        </p:style>
-        <p:txBody>
-          <a:bodyPr rtlCol="0" anchor="ctr"/>
-          <a:lstStyle/>
-          <a:p>
-            <a:pPr algn="ctr"/>
-            <a:r>
-              <a:rPr lang="ru-RU" sz="6600" b="1" dirty="0"/>
-              <a:t>Будет полезным…</a:t>
-            </a:r>
-            <a:endParaRPr lang="uk-UA" sz="6600" b="1" dirty="0"/>
-          </a:p>
-        </p:txBody>
-      </p:sp>
-    </p:spTree>
-    <p:extLst>
-      <p:ext uri="{BB962C8B-B14F-4D97-AF65-F5344CB8AC3E}">
-        <p14:creationId xmlns:p14="http://schemas.microsoft.com/office/powerpoint/2010/main" val="1831295201"/>
+        <p14:creationId xmlns:p14="http://schemas.microsoft.com/office/powerpoint/2010/main" val="2134033093"/>
       </p:ext>
     </p:extLst>
   </p:cSld>
@@ -11309,218 +11375,57 @@
       </p:grpSpPr>
       <p:sp>
         <p:nvSpPr>
-          <p:cNvPr id="7" name="TextBox 6"/>
-          <p:cNvSpPr txBox="1"/>
+          <p:cNvPr id="5" name="Прямоугольник 4"/>
+          <p:cNvSpPr/>
           <p:nvPr/>
         </p:nvSpPr>
         <p:spPr>
           <a:xfrm>
-            <a:off x="0" y="5944925"/>
-            <a:ext cx="12192000" cy="584775"/>
+            <a:off x="0" y="0"/>
+            <a:ext cx="12192000" cy="6858000"/>
           </a:xfrm>
           <a:prstGeom prst="rect">
             <a:avLst/>
           </a:prstGeom>
-          <a:noFill/>
-        </p:spPr>
-        <p:txBody>
-          <a:bodyPr wrap="square" rtlCol="0">
-            <a:spAutoFit/>
-          </a:bodyPr>
-          <a:lstStyle/>
-          <a:p>
-            <a:pPr algn="ctr"/>
-            <a:r>
-              <a:rPr lang="en-US" sz="3200" b="1" u="sng" dirty="0">
-                <a:solidFill>
-                  <a:srgbClr val="3333CC"/>
-                </a:solidFill>
-              </a:rPr>
-              <a:t>https://htmlreference.io/</a:t>
-            </a:r>
-            <a:endParaRPr lang="uk-UA" sz="3200" u="sng" dirty="0">
-              <a:solidFill>
-                <a:srgbClr val="3333CC"/>
-              </a:solidFill>
-            </a:endParaRPr>
-          </a:p>
-        </p:txBody>
-      </p:sp>
-      <p:sp>
-        <p:nvSpPr>
-          <p:cNvPr id="8" name="TextBox 7"/>
-          <p:cNvSpPr txBox="1"/>
-          <p:nvPr/>
-        </p:nvSpPr>
-        <p:spPr>
-          <a:xfrm>
-            <a:off x="0" y="251937"/>
-            <a:ext cx="12192000" cy="584775"/>
-          </a:xfrm>
-          <a:prstGeom prst="rect">
-            <a:avLst/>
-          </a:prstGeom>
-          <a:noFill/>
-        </p:spPr>
-        <p:txBody>
-          <a:bodyPr wrap="square" rtlCol="0">
-            <a:spAutoFit/>
-          </a:bodyPr>
-          <a:lstStyle/>
-          <a:p>
-            <a:pPr algn="ctr"/>
-            <a:r>
-              <a:rPr lang="ru-RU" sz="3200" b="1" dirty="0"/>
-              <a:t>Справочники по </a:t>
-            </a:r>
-            <a:r>
-              <a:rPr lang="en-US" sz="3200" b="1" dirty="0"/>
-              <a:t>HTML</a:t>
-            </a:r>
-          </a:p>
-        </p:txBody>
-      </p:sp>
-      <p:sp>
-        <p:nvSpPr>
-          <p:cNvPr id="4" name="Номер слайда 36"/>
-          <p:cNvSpPr txBox="1">
-            <a:spLocks/>
-          </p:cNvSpPr>
-          <p:nvPr/>
-        </p:nvSpPr>
-        <p:spPr>
-          <a:xfrm>
-            <a:off x="11136560" y="6100419"/>
-            <a:ext cx="648072" cy="432048"/>
-          </a:xfrm>
-          <a:prstGeom prst="roundRect">
-            <a:avLst/>
-          </a:prstGeom>
-          <a:ln w="25400" cap="flat" cmpd="sng" algn="ctr">
-            <a:solidFill>
-              <a:schemeClr val="tx2">
-                <a:lumMod val="60000"/>
-                <a:lumOff val="40000"/>
-              </a:schemeClr>
-            </a:solidFill>
-            <a:prstDash val="solid"/>
-          </a:ln>
+          <a:solidFill>
+            <a:schemeClr val="tx2">
+              <a:lumMod val="75000"/>
+            </a:schemeClr>
+          </a:solidFill>
         </p:spPr>
         <p:style>
           <a:lnRef idx="2">
-            <a:schemeClr val="accent1"/>
+            <a:schemeClr val="accent1">
+              <a:shade val="50000"/>
+            </a:schemeClr>
           </a:lnRef>
           <a:fillRef idx="1">
-            <a:schemeClr val="lt1"/>
+            <a:schemeClr val="accent1"/>
           </a:fillRef>
           <a:effectRef idx="0">
             <a:schemeClr val="accent1"/>
           </a:effectRef>
           <a:fontRef idx="minor">
-            <a:schemeClr val="dk1"/>
+            <a:schemeClr val="lt1"/>
           </a:fontRef>
         </p:style>
         <p:txBody>
-          <a:bodyPr vert="horz" lIns="91440" tIns="45720" rIns="91440" bIns="45720" rtlCol="0" anchor="ctr"/>
-          <a:lstStyle/>
-          <a:p>
-            <a:pPr algn="ctr">
-              <a:defRPr/>
-            </a:pPr>
-            <a:fld id="{6389AA22-90B4-448C-8B6B-C699140D38B9}" type="slidenum">
-              <a:rPr lang="uk-UA" sz="2400" b="1">
-                <a:solidFill>
-                  <a:schemeClr val="bg1">
-                    <a:lumMod val="50000"/>
-                  </a:schemeClr>
-                </a:solidFill>
-              </a:rPr>
-              <a:pPr algn="ctr">
-                <a:defRPr/>
-              </a:pPr>
-              <a:t>26</a:t>
-            </a:fld>
-            <a:endParaRPr lang="uk-UA" sz="2400" b="1" dirty="0">
-              <a:solidFill>
-                <a:schemeClr val="bg1">
-                  <a:lumMod val="50000"/>
-                </a:schemeClr>
-              </a:solidFill>
-            </a:endParaRPr>
-          </a:p>
-        </p:txBody>
-      </p:sp>
-      <p:pic>
-        <p:nvPicPr>
-          <p:cNvPr id="2" name="Рисунок 1"/>
-          <p:cNvPicPr>
-            <a:picLocks noChangeAspect="1"/>
-          </p:cNvPicPr>
-          <p:nvPr/>
-        </p:nvPicPr>
-        <p:blipFill>
-          <a:blip r:embed="rId2"/>
-          <a:stretch>
-            <a:fillRect/>
-          </a:stretch>
-        </p:blipFill>
-        <p:spPr>
-          <a:xfrm>
-            <a:off x="2878784" y="1075882"/>
-            <a:ext cx="6434432" cy="3939294"/>
-          </a:xfrm>
-          <a:prstGeom prst="rect">
-            <a:avLst/>
-          </a:prstGeom>
-        </p:spPr>
-      </p:pic>
-      <p:sp>
-        <p:nvSpPr>
-          <p:cNvPr id="9" name="TextBox 8">
-            <a:extLst>
-              <a:ext uri="{FF2B5EF4-FFF2-40B4-BE49-F238E27FC236}">
-                <a16:creationId xmlns:a16="http://schemas.microsoft.com/office/drawing/2014/main" id="{5299C90D-AC5D-D642-A49A-283196750356}"/>
-              </a:ext>
-            </a:extLst>
-          </p:cNvPr>
-          <p:cNvSpPr txBox="1"/>
-          <p:nvPr/>
-        </p:nvSpPr>
-        <p:spPr>
-          <a:xfrm>
-            <a:off x="0" y="5301208"/>
-            <a:ext cx="12192000" cy="1077218"/>
-          </a:xfrm>
-          <a:prstGeom prst="rect">
-            <a:avLst/>
-          </a:prstGeom>
-          <a:noFill/>
-        </p:spPr>
-        <p:txBody>
-          <a:bodyPr wrap="square">
-            <a:spAutoFit/>
-          </a:bodyPr>
+          <a:bodyPr rtlCol="0" anchor="ctr"/>
           <a:lstStyle/>
           <a:p>
             <a:pPr algn="ctr"/>
             <a:r>
-              <a:rPr lang="en-US" sz="3200" b="1" dirty="0">
-                <a:hlinkClick r:id="rId3"/>
-              </a:rPr>
-              <a:t>https://html-css.co.ua/html/</a:t>
-            </a:r>
-            <a:endParaRPr lang="uk-UA" sz="3200" b="1" dirty="0"/>
-          </a:p>
-          <a:p>
-            <a:pPr algn="ctr"/>
-            <a:endParaRPr lang="uk-UA" sz="3200" b="1" dirty="0"/>
+              <a:rPr lang="ru-RU" sz="6600" b="1" dirty="0"/>
+              <a:t>Домашнее задание</a:t>
+            </a:r>
+            <a:endParaRPr lang="uk-UA" sz="6600" b="1" dirty="0"/>
           </a:p>
         </p:txBody>
       </p:sp>
     </p:spTree>
     <p:extLst>
       <p:ext uri="{BB962C8B-B14F-4D97-AF65-F5344CB8AC3E}">
-        <p14:creationId xmlns:p14="http://schemas.microsoft.com/office/powerpoint/2010/main" val="2134033093"/>
+        <p14:creationId xmlns:p14="http://schemas.microsoft.com/office/powerpoint/2010/main" val="2457138395"/>
       </p:ext>
     </p:extLst>
   </p:cSld>
@@ -11549,57 +11454,345 @@
       </p:grpSpPr>
       <p:sp>
         <p:nvSpPr>
-          <p:cNvPr id="5" name="Прямоугольник 4"/>
+          <p:cNvPr id="3" name="Прямоугольник 2"/>
           <p:cNvSpPr/>
           <p:nvPr/>
         </p:nvSpPr>
         <p:spPr>
           <a:xfrm>
-            <a:off x="0" y="0"/>
-            <a:ext cx="12192000" cy="6858000"/>
+            <a:off x="5328592" y="404664"/>
+            <a:ext cx="6863408" cy="769441"/>
+          </a:xfrm>
+          <a:prstGeom prst="rect">
+            <a:avLst/>
+          </a:prstGeom>
+        </p:spPr>
+        <p:txBody>
+          <a:bodyPr wrap="square">
+            <a:spAutoFit/>
+          </a:bodyPr>
+          <a:lstStyle/>
+          <a:p>
+            <a:pPr algn="ctr"/>
+            <a:r>
+              <a:rPr lang="ru-RU" sz="4400" b="1" dirty="0"/>
+              <a:t>Домашнее задание</a:t>
+            </a:r>
+            <a:endParaRPr lang="ru-RU" sz="4400" i="1" dirty="0"/>
+          </a:p>
+        </p:txBody>
+      </p:sp>
+      <p:sp>
+        <p:nvSpPr>
+          <p:cNvPr id="2" name="TextBox 1"/>
+          <p:cNvSpPr txBox="1"/>
+          <p:nvPr/>
+        </p:nvSpPr>
+        <p:spPr>
+          <a:xfrm>
+            <a:off x="6240016" y="3380799"/>
+            <a:ext cx="5400600" cy="1200329"/>
           </a:xfrm>
           <a:prstGeom prst="rect">
             <a:avLst/>
           </a:prstGeom>
           <a:solidFill>
-            <a:schemeClr val="tx2">
-              <a:lumMod val="75000"/>
+            <a:schemeClr val="accent6">
+              <a:lumMod val="20000"/>
+              <a:lumOff val="80000"/>
             </a:schemeClr>
           </a:solidFill>
+          <a:ln w="28575">
+            <a:solidFill>
+              <a:schemeClr val="accent6">
+                <a:lumMod val="75000"/>
+              </a:schemeClr>
+            </a:solidFill>
+            <a:prstDash val="dash"/>
+          </a:ln>
         </p:spPr>
-        <p:style>
-          <a:lnRef idx="2">
-            <a:schemeClr val="accent1">
-              <a:shade val="50000"/>
+        <p:txBody>
+          <a:bodyPr wrap="square" rtlCol="0">
+            <a:spAutoFit/>
+          </a:bodyPr>
+          <a:lstStyle/>
+          <a:p>
+            <a:r>
+              <a:rPr lang="en-US" sz="2400" b="1" dirty="0"/>
+              <a:t>Lorem ipsum </a:t>
+            </a:r>
+            <a:r>
+              <a:rPr lang="en-US" sz="2400" dirty="0"/>
+              <a:t>–</a:t>
+            </a:r>
+            <a:r>
+              <a:rPr lang="uk-UA" sz="2400" dirty="0"/>
+              <a:t> генератор </a:t>
+            </a:r>
+            <a:r>
+              <a:rPr lang="ru-RU" sz="2400" dirty="0"/>
+              <a:t>текста</a:t>
+            </a:r>
+            <a:r>
+              <a:rPr lang="uk-UA" sz="2400" dirty="0"/>
+              <a:t> вам </a:t>
+            </a:r>
+            <a:r>
+              <a:rPr lang="ru-RU" sz="2400" dirty="0"/>
+              <a:t>поможет</a:t>
+            </a:r>
+            <a:r>
+              <a:rPr lang="uk-UA" sz="2400" dirty="0"/>
+              <a:t>. </a:t>
+            </a:r>
+            <a:r>
+              <a:rPr lang="en-US" sz="2400" dirty="0"/>
+              <a:t> </a:t>
+            </a:r>
+            <a:r>
+              <a:rPr lang="uk-UA" sz="2400" dirty="0"/>
+              <a:t>Команда </a:t>
+            </a:r>
+            <a:r>
+              <a:rPr lang="en-US" sz="2400" b="1" dirty="0">
+                <a:solidFill>
+                  <a:srgbClr val="00B050"/>
+                </a:solidFill>
+                <a:latin typeface="Courier New" panose="02070309020205020404" pitchFamily="49" charset="0"/>
+                <a:cs typeface="Courier New" panose="02070309020205020404" pitchFamily="49" charset="0"/>
+              </a:rPr>
+              <a:t>lorem100</a:t>
+            </a:r>
+            <a:r>
+              <a:rPr lang="en-US" sz="2400" dirty="0"/>
+              <a:t> </a:t>
+            </a:r>
+            <a:r>
+              <a:rPr lang="uk-UA" sz="2400" dirty="0"/>
+              <a:t>в </a:t>
+            </a:r>
+            <a:r>
+              <a:rPr lang="en-US" sz="2400" b="1" dirty="0"/>
+              <a:t>Visual Studio Code</a:t>
+            </a:r>
+            <a:endParaRPr lang="ru-RU" sz="2400" b="1" dirty="0"/>
+          </a:p>
+        </p:txBody>
+      </p:sp>
+      <p:pic>
+        <p:nvPicPr>
+          <p:cNvPr id="9" name="Рисунок 8"/>
+          <p:cNvPicPr>
+            <a:picLocks noChangeAspect="1"/>
+          </p:cNvPicPr>
+          <p:nvPr/>
+        </p:nvPicPr>
+        <p:blipFill rotWithShape="1">
+          <a:blip r:embed="rId2"/>
+          <a:srcRect l="8575" r="8544"/>
+          <a:stretch/>
+        </p:blipFill>
+        <p:spPr>
+          <a:xfrm>
+            <a:off x="0" y="0"/>
+            <a:ext cx="5328592" cy="6875007"/>
+          </a:xfrm>
+          <a:prstGeom prst="rect">
+            <a:avLst/>
+          </a:prstGeom>
+          <a:ln>
+            <a:noFill/>
+          </a:ln>
+          <a:effectLst>
+            <a:outerShdw blurRad="292100" dist="139700" dir="2700000" algn="tl" rotWithShape="0">
+              <a:srgbClr val="333333">
+                <a:alpha val="65000"/>
+              </a:srgbClr>
+            </a:outerShdw>
+          </a:effectLst>
+        </p:spPr>
+      </p:pic>
+      <p:sp>
+        <p:nvSpPr>
+          <p:cNvPr id="10" name="TextBox 9"/>
+          <p:cNvSpPr txBox="1"/>
+          <p:nvPr/>
+        </p:nvSpPr>
+        <p:spPr>
+          <a:xfrm>
+            <a:off x="6273924" y="1412776"/>
+            <a:ext cx="5150668" cy="1569660"/>
+          </a:xfrm>
+          <a:prstGeom prst="rect">
+            <a:avLst/>
+          </a:prstGeom>
+          <a:noFill/>
+        </p:spPr>
+        <p:txBody>
+          <a:bodyPr wrap="square" rtlCol="0">
+            <a:spAutoFit/>
+          </a:bodyPr>
+          <a:lstStyle/>
+          <a:p>
+            <a:r>
+              <a:rPr lang="ru-RU" sz="2400" dirty="0"/>
+              <a:t>Создайте</a:t>
+            </a:r>
+            <a:r>
+              <a:rPr lang="uk-UA" sz="2400" dirty="0"/>
+              <a:t> </a:t>
+            </a:r>
+            <a:r>
+              <a:rPr lang="en-US" sz="2400" b="1" dirty="0"/>
+              <a:t>HTML</a:t>
+            </a:r>
+            <a:r>
+              <a:rPr lang="uk-UA" sz="2400" b="1" dirty="0"/>
+              <a:t>-документ</a:t>
+            </a:r>
+            <a:r>
+              <a:rPr lang="uk-UA" sz="2400" dirty="0"/>
+              <a:t>, и </a:t>
+            </a:r>
+            <a:r>
+              <a:rPr lang="ru-RU" sz="2400" dirty="0"/>
+              <a:t>под</a:t>
+            </a:r>
+            <a:r>
+              <a:rPr lang="uk-UA" sz="2400" dirty="0"/>
+              <a:t> </a:t>
+            </a:r>
+            <a:r>
+              <a:rPr lang="ru-RU" sz="2400" dirty="0"/>
+              <a:t>именем</a:t>
+            </a:r>
+            <a:r>
+              <a:rPr lang="uk-UA" sz="2400" dirty="0"/>
+              <a:t> </a:t>
+            </a:r>
+            <a:r>
+              <a:rPr lang="en-US" sz="2400" b="1" dirty="0">
+                <a:solidFill>
+                  <a:srgbClr val="0070C0"/>
+                </a:solidFill>
+                <a:latin typeface="Courier New" panose="02070309020205020404" pitchFamily="49" charset="0"/>
+                <a:cs typeface="Courier New" panose="02070309020205020404" pitchFamily="49" charset="0"/>
+              </a:rPr>
+              <a:t>index.html</a:t>
+            </a:r>
+            <a:r>
+              <a:rPr lang="uk-UA" sz="2400" b="1" dirty="0">
+                <a:solidFill>
+                  <a:srgbClr val="0070C0"/>
+                </a:solidFill>
+                <a:latin typeface="Courier New" panose="02070309020205020404" pitchFamily="49" charset="0"/>
+                <a:cs typeface="Courier New" panose="02070309020205020404" pitchFamily="49" charset="0"/>
+              </a:rPr>
+              <a:t> </a:t>
+            </a:r>
+            <a:r>
+              <a:rPr lang="ru-RU" sz="2400" dirty="0">
+                <a:latin typeface="+mj-lt"/>
+                <a:cs typeface="Courier New" panose="02070309020205020404" pitchFamily="49" charset="0"/>
+              </a:rPr>
+              <a:t>выгрузите его на хостинг. Ссылку на </a:t>
+            </a:r>
+            <a:r>
+              <a:rPr lang="ru-RU" sz="2400" b="1" dirty="0">
+                <a:latin typeface="+mj-lt"/>
+                <a:cs typeface="Courier New" panose="02070309020205020404" pitchFamily="49" charset="0"/>
+              </a:rPr>
+              <a:t>ваш хостинг </a:t>
+            </a:r>
+            <a:r>
+              <a:rPr lang="ru-RU" sz="2400" dirty="0">
+                <a:latin typeface="+mj-lt"/>
+                <a:cs typeface="Courier New" panose="02070309020205020404" pitchFamily="49" charset="0"/>
+              </a:rPr>
+              <a:t>сбрасывайте в группу в телеграмме.</a:t>
+            </a:r>
+            <a:endParaRPr lang="ru-RU" sz="2400" dirty="0">
+              <a:latin typeface="Courier New" panose="02070309020205020404" pitchFamily="49" charset="0"/>
+              <a:cs typeface="Courier New" panose="02070309020205020404" pitchFamily="49" charset="0"/>
+            </a:endParaRPr>
+          </a:p>
+        </p:txBody>
+      </p:sp>
+      <p:sp>
+        <p:nvSpPr>
+          <p:cNvPr id="11" name="TextBox 10"/>
+          <p:cNvSpPr txBox="1"/>
+          <p:nvPr/>
+        </p:nvSpPr>
+        <p:spPr>
+          <a:xfrm>
+            <a:off x="6240016" y="4892967"/>
+            <a:ext cx="5400600" cy="1446550"/>
+          </a:xfrm>
+          <a:prstGeom prst="rect">
+            <a:avLst/>
+          </a:prstGeom>
+          <a:solidFill>
+            <a:schemeClr val="accent3">
+              <a:lumMod val="20000"/>
+              <a:lumOff val="80000"/>
             </a:schemeClr>
-          </a:lnRef>
-          <a:fillRef idx="1">
-            <a:schemeClr val="accent1"/>
-          </a:fillRef>
-          <a:effectRef idx="0">
-            <a:schemeClr val="accent1"/>
-          </a:effectRef>
-          <a:fontRef idx="minor">
-            <a:schemeClr val="lt1"/>
-          </a:fontRef>
-        </p:style>
-        <p:txBody>
-          <a:bodyPr rtlCol="0" anchor="ctr"/>
-          <a:lstStyle/>
-          <a:p>
-            <a:pPr algn="ctr"/>
-            <a:r>
-              <a:rPr lang="ru-RU" sz="6600" b="1" dirty="0"/>
-              <a:t>Домашнее задание</a:t>
-            </a:r>
-            <a:endParaRPr lang="uk-UA" sz="6600" b="1" dirty="0"/>
+          </a:solidFill>
+          <a:ln w="28575">
+            <a:solidFill>
+              <a:srgbClr val="00B050"/>
+            </a:solidFill>
+            <a:prstDash val="dash"/>
+          </a:ln>
+        </p:spPr>
+        <p:txBody>
+          <a:bodyPr wrap="square" rtlCol="0">
+            <a:spAutoFit/>
+          </a:bodyPr>
+          <a:lstStyle/>
+          <a:p>
+            <a:r>
+              <a:rPr lang="ru-RU" sz="2400" dirty="0"/>
+              <a:t>Как встроить </a:t>
+            </a:r>
+            <a:r>
+              <a:rPr lang="en-US" sz="2400" b="1" dirty="0" err="1"/>
+              <a:t>youtube</a:t>
+            </a:r>
+            <a:r>
+              <a:rPr lang="uk-UA" sz="2400" dirty="0"/>
+              <a:t>-</a:t>
+            </a:r>
+            <a:r>
+              <a:rPr lang="uk-UA" sz="2400" dirty="0" err="1"/>
+              <a:t>плеер</a:t>
+            </a:r>
+            <a:r>
+              <a:rPr lang="uk-UA" sz="2400" dirty="0"/>
+              <a:t> на свою </a:t>
+            </a:r>
+            <a:r>
+              <a:rPr lang="ru-RU" sz="2400" dirty="0"/>
+              <a:t>страницу</a:t>
+            </a:r>
+            <a:r>
+              <a:rPr lang="uk-UA" sz="2400" dirty="0"/>
+              <a:t>: </a:t>
+            </a:r>
+            <a:r>
+              <a:rPr lang="en-US" sz="2000" b="1" dirty="0">
+                <a:hlinkClick r:id="rId3"/>
+              </a:rPr>
+              <a:t>https://support.google.com/youtube/answer/171780?hl=uk</a:t>
+            </a:r>
+            <a:endParaRPr lang="ru-RU" sz="2000" b="1" dirty="0"/>
           </a:p>
         </p:txBody>
       </p:sp>
     </p:spTree>
     <p:extLst>
       <p:ext uri="{BB962C8B-B14F-4D97-AF65-F5344CB8AC3E}">
-        <p14:creationId xmlns:p14="http://schemas.microsoft.com/office/powerpoint/2010/main" val="2457138395"/>
+        <p14:creationId xmlns:p14="http://schemas.microsoft.com/office/powerpoint/2010/main" val="3931189480"/>
       </p:ext>
     </p:extLst>
   </p:cSld>
@@ -11628,345 +11821,57 @@
       </p:grpSpPr>
       <p:sp>
         <p:nvSpPr>
-          <p:cNvPr id="3" name="Прямоугольник 2"/>
+          <p:cNvPr id="5" name="Прямоугольник 4"/>
           <p:cNvSpPr/>
           <p:nvPr/>
         </p:nvSpPr>
         <p:spPr>
           <a:xfrm>
-            <a:off x="5328592" y="404664"/>
-            <a:ext cx="6863408" cy="769441"/>
-          </a:xfrm>
-          <a:prstGeom prst="rect">
-            <a:avLst/>
-          </a:prstGeom>
-        </p:spPr>
-        <p:txBody>
-          <a:bodyPr wrap="square">
-            <a:spAutoFit/>
-          </a:bodyPr>
-          <a:lstStyle/>
-          <a:p>
-            <a:pPr algn="ctr"/>
-            <a:r>
-              <a:rPr lang="ru-RU" sz="4400" b="1" dirty="0"/>
-              <a:t>Домашнее задание</a:t>
-            </a:r>
-            <a:endParaRPr lang="ru-RU" sz="4400" i="1" dirty="0"/>
-          </a:p>
-        </p:txBody>
-      </p:sp>
-      <p:sp>
-        <p:nvSpPr>
-          <p:cNvPr id="2" name="TextBox 1"/>
-          <p:cNvSpPr txBox="1"/>
-          <p:nvPr/>
-        </p:nvSpPr>
-        <p:spPr>
-          <a:xfrm>
-            <a:off x="6240016" y="3380799"/>
-            <a:ext cx="5400600" cy="1200329"/>
+            <a:off x="0" y="0"/>
+            <a:ext cx="12192000" cy="6858000"/>
           </a:xfrm>
           <a:prstGeom prst="rect">
             <a:avLst/>
           </a:prstGeom>
           <a:solidFill>
-            <a:schemeClr val="accent6">
-              <a:lumMod val="20000"/>
-              <a:lumOff val="80000"/>
+            <a:schemeClr val="tx2">
+              <a:lumMod val="75000"/>
             </a:schemeClr>
           </a:solidFill>
-          <a:ln w="28575">
-            <a:solidFill>
-              <a:schemeClr val="accent6">
-                <a:lumMod val="75000"/>
-              </a:schemeClr>
-            </a:solidFill>
-            <a:prstDash val="dash"/>
-          </a:ln>
         </p:spPr>
-        <p:txBody>
-          <a:bodyPr wrap="square" rtlCol="0">
-            <a:spAutoFit/>
-          </a:bodyPr>
-          <a:lstStyle/>
-          <a:p>
-            <a:r>
-              <a:rPr lang="en-US" sz="2400" b="1" dirty="0"/>
-              <a:t>Lorem ipsum </a:t>
-            </a:r>
-            <a:r>
-              <a:rPr lang="en-US" sz="2400" dirty="0"/>
-              <a:t>–</a:t>
-            </a:r>
-            <a:r>
-              <a:rPr lang="uk-UA" sz="2400" dirty="0"/>
-              <a:t> генератор </a:t>
-            </a:r>
-            <a:r>
-              <a:rPr lang="ru-RU" sz="2400" dirty="0"/>
-              <a:t>текста</a:t>
-            </a:r>
-            <a:r>
-              <a:rPr lang="uk-UA" sz="2400" dirty="0"/>
-              <a:t> вам </a:t>
-            </a:r>
-            <a:r>
-              <a:rPr lang="ru-RU" sz="2400" dirty="0"/>
-              <a:t>поможет</a:t>
-            </a:r>
-            <a:r>
-              <a:rPr lang="uk-UA" sz="2400" dirty="0"/>
-              <a:t>. </a:t>
-            </a:r>
-            <a:r>
-              <a:rPr lang="en-US" sz="2400" dirty="0"/>
-              <a:t> </a:t>
-            </a:r>
-            <a:r>
-              <a:rPr lang="uk-UA" sz="2400" dirty="0"/>
-              <a:t>Команда </a:t>
-            </a:r>
-            <a:r>
-              <a:rPr lang="en-US" sz="2400" b="1" dirty="0">
-                <a:solidFill>
-                  <a:srgbClr val="00B050"/>
-                </a:solidFill>
-                <a:latin typeface="Courier New" panose="02070309020205020404" pitchFamily="49" charset="0"/>
-                <a:cs typeface="Courier New" panose="02070309020205020404" pitchFamily="49" charset="0"/>
-              </a:rPr>
-              <a:t>lorem100</a:t>
-            </a:r>
-            <a:r>
-              <a:rPr lang="en-US" sz="2400" dirty="0"/>
-              <a:t> </a:t>
-            </a:r>
-            <a:r>
-              <a:rPr lang="uk-UA" sz="2400" dirty="0"/>
-              <a:t>в </a:t>
-            </a:r>
-            <a:r>
-              <a:rPr lang="en-US" sz="2400" b="1" dirty="0"/>
-              <a:t>Visual Studio Code</a:t>
-            </a:r>
-            <a:endParaRPr lang="ru-RU" sz="2400" b="1" dirty="0"/>
-          </a:p>
-        </p:txBody>
-      </p:sp>
-      <p:pic>
-        <p:nvPicPr>
-          <p:cNvPr id="9" name="Рисунок 8"/>
-          <p:cNvPicPr>
-            <a:picLocks noChangeAspect="1"/>
-          </p:cNvPicPr>
-          <p:nvPr/>
-        </p:nvPicPr>
-        <p:blipFill rotWithShape="1">
-          <a:blip r:embed="rId2"/>
-          <a:srcRect l="8575" r="8544"/>
-          <a:stretch/>
-        </p:blipFill>
-        <p:spPr>
-          <a:xfrm>
-            <a:off x="0" y="0"/>
-            <a:ext cx="5328592" cy="6875007"/>
-          </a:xfrm>
-          <a:prstGeom prst="rect">
-            <a:avLst/>
-          </a:prstGeom>
-          <a:ln>
-            <a:noFill/>
-          </a:ln>
-          <a:effectLst>
-            <a:outerShdw blurRad="292100" dist="139700" dir="2700000" algn="tl" rotWithShape="0">
-              <a:srgbClr val="333333">
-                <a:alpha val="65000"/>
-              </a:srgbClr>
-            </a:outerShdw>
-          </a:effectLst>
-        </p:spPr>
-      </p:pic>
-      <p:sp>
-        <p:nvSpPr>
-          <p:cNvPr id="10" name="TextBox 9"/>
-          <p:cNvSpPr txBox="1"/>
-          <p:nvPr/>
-        </p:nvSpPr>
-        <p:spPr>
-          <a:xfrm>
-            <a:off x="6273924" y="1412776"/>
-            <a:ext cx="5150668" cy="1569660"/>
-          </a:xfrm>
-          <a:prstGeom prst="rect">
-            <a:avLst/>
-          </a:prstGeom>
-          <a:noFill/>
-        </p:spPr>
-        <p:txBody>
-          <a:bodyPr wrap="square" rtlCol="0">
-            <a:spAutoFit/>
-          </a:bodyPr>
-          <a:lstStyle/>
-          <a:p>
-            <a:r>
-              <a:rPr lang="ru-RU" sz="2400" dirty="0"/>
-              <a:t>Создайте</a:t>
-            </a:r>
-            <a:r>
-              <a:rPr lang="uk-UA" sz="2400" dirty="0"/>
-              <a:t> </a:t>
-            </a:r>
-            <a:r>
-              <a:rPr lang="en-US" sz="2400" b="1" dirty="0"/>
-              <a:t>HTML</a:t>
-            </a:r>
-            <a:r>
-              <a:rPr lang="uk-UA" sz="2400" b="1" dirty="0"/>
-              <a:t>-документ</a:t>
-            </a:r>
-            <a:r>
-              <a:rPr lang="uk-UA" sz="2400" dirty="0"/>
-              <a:t>, и </a:t>
-            </a:r>
-            <a:r>
-              <a:rPr lang="ru-RU" sz="2400" dirty="0"/>
-              <a:t>под</a:t>
-            </a:r>
-            <a:r>
-              <a:rPr lang="uk-UA" sz="2400" dirty="0"/>
-              <a:t> </a:t>
-            </a:r>
-            <a:r>
-              <a:rPr lang="ru-RU" sz="2400" dirty="0"/>
-              <a:t>именем</a:t>
-            </a:r>
-            <a:r>
-              <a:rPr lang="uk-UA" sz="2400" dirty="0"/>
-              <a:t> </a:t>
-            </a:r>
-            <a:r>
-              <a:rPr lang="en-US" sz="2400" b="1" dirty="0">
-                <a:solidFill>
-                  <a:srgbClr val="0070C0"/>
-                </a:solidFill>
-                <a:latin typeface="Courier New" panose="02070309020205020404" pitchFamily="49" charset="0"/>
-                <a:cs typeface="Courier New" panose="02070309020205020404" pitchFamily="49" charset="0"/>
-              </a:rPr>
-              <a:t>index.html</a:t>
-            </a:r>
-            <a:r>
-              <a:rPr lang="uk-UA" sz="2400" b="1" dirty="0">
-                <a:solidFill>
-                  <a:srgbClr val="0070C0"/>
-                </a:solidFill>
-                <a:latin typeface="Courier New" panose="02070309020205020404" pitchFamily="49" charset="0"/>
-                <a:cs typeface="Courier New" panose="02070309020205020404" pitchFamily="49" charset="0"/>
-              </a:rPr>
-              <a:t> </a:t>
-            </a:r>
-            <a:r>
-              <a:rPr lang="ru-RU" sz="2400" dirty="0">
-                <a:latin typeface="+mj-lt"/>
-                <a:cs typeface="Courier New" panose="02070309020205020404" pitchFamily="49" charset="0"/>
-              </a:rPr>
-              <a:t>выгрузите его на хостинг. Ссылку на </a:t>
-            </a:r>
-            <a:r>
-              <a:rPr lang="ru-RU" sz="2400" b="1" dirty="0">
-                <a:latin typeface="+mj-lt"/>
-                <a:cs typeface="Courier New" panose="02070309020205020404" pitchFamily="49" charset="0"/>
-              </a:rPr>
-              <a:t>ваш хостинг </a:t>
-            </a:r>
-            <a:r>
-              <a:rPr lang="ru-RU" sz="2400" dirty="0">
-                <a:latin typeface="+mj-lt"/>
-                <a:cs typeface="Courier New" panose="02070309020205020404" pitchFamily="49" charset="0"/>
-              </a:rPr>
-              <a:t>сбрасывайте в группу в телеграмме.</a:t>
-            </a:r>
-            <a:endParaRPr lang="ru-RU" sz="2400" dirty="0">
-              <a:latin typeface="Courier New" panose="02070309020205020404" pitchFamily="49" charset="0"/>
-              <a:cs typeface="Courier New" panose="02070309020205020404" pitchFamily="49" charset="0"/>
-            </a:endParaRPr>
-          </a:p>
-        </p:txBody>
-      </p:sp>
-      <p:sp>
-        <p:nvSpPr>
-          <p:cNvPr id="11" name="TextBox 10"/>
-          <p:cNvSpPr txBox="1"/>
-          <p:nvPr/>
-        </p:nvSpPr>
-        <p:spPr>
-          <a:xfrm>
-            <a:off x="6240016" y="4892967"/>
-            <a:ext cx="5400600" cy="1446550"/>
-          </a:xfrm>
-          <a:prstGeom prst="rect">
-            <a:avLst/>
-          </a:prstGeom>
-          <a:solidFill>
-            <a:schemeClr val="accent3">
-              <a:lumMod val="20000"/>
-              <a:lumOff val="80000"/>
+        <p:style>
+          <a:lnRef idx="2">
+            <a:schemeClr val="accent1">
+              <a:shade val="50000"/>
             </a:schemeClr>
-          </a:solidFill>
-          <a:ln w="28575">
-            <a:solidFill>
-              <a:srgbClr val="00B050"/>
-            </a:solidFill>
-            <a:prstDash val="dash"/>
-          </a:ln>
-        </p:spPr>
-        <p:txBody>
-          <a:bodyPr wrap="square" rtlCol="0">
-            <a:spAutoFit/>
-          </a:bodyPr>
-          <a:lstStyle/>
-          <a:p>
-            <a:r>
-              <a:rPr lang="ru-RU" sz="2400" dirty="0"/>
-              <a:t>Как встроить </a:t>
-            </a:r>
-            <a:r>
-              <a:rPr lang="en-US" sz="2400" b="1" dirty="0" err="1"/>
-              <a:t>youtube</a:t>
-            </a:r>
-            <a:r>
-              <a:rPr lang="uk-UA" sz="2400" dirty="0"/>
-              <a:t>-</a:t>
-            </a:r>
-            <a:r>
-              <a:rPr lang="uk-UA" sz="2400" dirty="0" err="1"/>
-              <a:t>плеер</a:t>
-            </a:r>
-            <a:r>
-              <a:rPr lang="uk-UA" sz="2400" dirty="0"/>
-              <a:t> на свою </a:t>
-            </a:r>
-            <a:r>
-              <a:rPr lang="ru-RU" sz="2400" dirty="0"/>
-              <a:t>страницу</a:t>
-            </a:r>
-            <a:r>
-              <a:rPr lang="uk-UA" sz="2400" dirty="0"/>
-              <a:t>: </a:t>
-            </a:r>
-            <a:r>
-              <a:rPr lang="en-US" sz="2000" b="1" dirty="0">
-                <a:hlinkClick r:id="rId3"/>
-              </a:rPr>
-              <a:t>https://support.google.com/youtube/answer/171780?hl=uk</a:t>
-            </a:r>
-            <a:endParaRPr lang="ru-RU" sz="2000" b="1" dirty="0"/>
+          </a:lnRef>
+          <a:fillRef idx="1">
+            <a:schemeClr val="accent1"/>
+          </a:fillRef>
+          <a:effectRef idx="0">
+            <a:schemeClr val="accent1"/>
+          </a:effectRef>
+          <a:fontRef idx="minor">
+            <a:schemeClr val="lt1"/>
+          </a:fontRef>
+        </p:style>
+        <p:txBody>
+          <a:bodyPr rtlCol="0" anchor="ctr"/>
+          <a:lstStyle/>
+          <a:p>
+            <a:pPr algn="ctr"/>
+            <a:r>
+              <a:rPr lang="ru-RU" sz="6600" b="1" dirty="0"/>
+              <a:t>На следующем занятии</a:t>
+            </a:r>
+            <a:endParaRPr lang="uk-UA" sz="6600" b="1" dirty="0"/>
           </a:p>
         </p:txBody>
       </p:sp>
     </p:spTree>
     <p:extLst>
       <p:ext uri="{BB962C8B-B14F-4D97-AF65-F5344CB8AC3E}">
-        <p14:creationId xmlns:p14="http://schemas.microsoft.com/office/powerpoint/2010/main" val="3931189480"/>
+        <p14:creationId xmlns:p14="http://schemas.microsoft.com/office/powerpoint/2010/main" val="2717058134"/>
       </p:ext>
     </p:extLst>
   </p:cSld>
@@ -11995,57 +11900,182 @@
       </p:grpSpPr>
       <p:sp>
         <p:nvSpPr>
-          <p:cNvPr id="5" name="Прямоугольник 4"/>
+          <p:cNvPr id="3" name="Прямоугольник 2"/>
           <p:cNvSpPr/>
           <p:nvPr/>
         </p:nvSpPr>
         <p:spPr>
           <a:xfrm>
-            <a:off x="0" y="0"/>
-            <a:ext cx="12192000" cy="6858000"/>
+            <a:off x="6096000" y="2204864"/>
+            <a:ext cx="6048672" cy="2862322"/>
           </a:xfrm>
           <a:prstGeom prst="rect">
             <a:avLst/>
           </a:prstGeom>
-          <a:solidFill>
-            <a:schemeClr val="tx2">
-              <a:lumMod val="75000"/>
-            </a:schemeClr>
-          </a:solidFill>
         </p:spPr>
-        <p:style>
-          <a:lnRef idx="2">
-            <a:schemeClr val="accent1">
-              <a:shade val="50000"/>
-            </a:schemeClr>
-          </a:lnRef>
-          <a:fillRef idx="1">
-            <a:schemeClr val="accent1"/>
-          </a:fillRef>
-          <a:effectRef idx="0">
-            <a:schemeClr val="accent1"/>
-          </a:effectRef>
-          <a:fontRef idx="minor">
-            <a:schemeClr val="lt1"/>
-          </a:fontRef>
-        </p:style>
-        <p:txBody>
-          <a:bodyPr rtlCol="0" anchor="ctr"/>
+        <p:txBody>
+          <a:bodyPr wrap="square">
+            <a:spAutoFit/>
+          </a:bodyPr>
+          <a:lstStyle/>
+          <a:p>
+            <a:r>
+              <a:rPr lang="ru-RU" sz="3600" b="1" dirty="0">
+                <a:solidFill>
+                  <a:srgbClr val="00B050"/>
+                </a:solidFill>
+              </a:rPr>
+              <a:t>Структура проекта</a:t>
+            </a:r>
+          </a:p>
+          <a:p>
+            <a:r>
+              <a:rPr lang="ru-RU" sz="3600" b="1" dirty="0" err="1">
+                <a:solidFill>
+                  <a:srgbClr val="0070C0"/>
+                </a:solidFill>
+              </a:rPr>
+              <a:t>Блочно</a:t>
+            </a:r>
+            <a:r>
+              <a:rPr lang="ru-RU" sz="3600" b="1" dirty="0">
+                <a:solidFill>
+                  <a:srgbClr val="0070C0"/>
+                </a:solidFill>
+              </a:rPr>
+              <a:t>/строчная модель документа </a:t>
+            </a:r>
+          </a:p>
+          <a:p>
+            <a:r>
+              <a:rPr lang="ru-RU" sz="3600" b="1" dirty="0">
+                <a:solidFill>
+                  <a:schemeClr val="accent6">
+                    <a:lumMod val="75000"/>
+                  </a:schemeClr>
+                </a:solidFill>
+              </a:rPr>
+              <a:t>Семантика </a:t>
+            </a:r>
+            <a:r>
+              <a:rPr lang="en-US" sz="3600" b="1" dirty="0">
+                <a:solidFill>
+                  <a:schemeClr val="accent6">
+                    <a:lumMod val="75000"/>
+                  </a:schemeClr>
+                </a:solidFill>
+              </a:rPr>
+              <a:t>HTML</a:t>
+            </a:r>
+            <a:endParaRPr lang="ru-RU" sz="3600" b="1" dirty="0">
+              <a:solidFill>
+                <a:schemeClr val="accent6">
+                  <a:lumMod val="75000"/>
+                </a:schemeClr>
+              </a:solidFill>
+            </a:endParaRPr>
+          </a:p>
+          <a:p>
+            <a:r>
+              <a:rPr lang="ru-RU" sz="3600" b="1" dirty="0">
+                <a:solidFill>
+                  <a:srgbClr val="7030A0"/>
+                </a:solidFill>
+              </a:rPr>
+              <a:t>Валидация разметки</a:t>
+            </a:r>
+            <a:endParaRPr lang="ru-RU" sz="3600" b="1" dirty="0"/>
+          </a:p>
+        </p:txBody>
+      </p:sp>
+      <p:pic>
+        <p:nvPicPr>
+          <p:cNvPr id="1026" name="Picture 2" descr="структура проекта">
+            <a:extLst>
+              <a:ext uri="{FF2B5EF4-FFF2-40B4-BE49-F238E27FC236}">
+                <a16:creationId xmlns:a16="http://schemas.microsoft.com/office/drawing/2014/main" id="{E98A6534-EC32-424A-B588-008EAFD5CF1D}"/>
+              </a:ext>
+            </a:extLst>
+          </p:cNvPr>
+          <p:cNvPicPr>
+            <a:picLocks noChangeAspect="1" noChangeArrowheads="1"/>
+          </p:cNvPicPr>
+          <p:nvPr/>
+        </p:nvPicPr>
+        <p:blipFill>
+          <a:blip r:embed="rId2">
+            <a:extLst>
+              <a:ext uri="{28A0092B-C50C-407E-A947-70E740481C1C}">
+                <a14:useLocalDpi xmlns:a14="http://schemas.microsoft.com/office/drawing/2010/main" val="0"/>
+              </a:ext>
+            </a:extLst>
+          </a:blip>
+          <a:srcRect/>
+          <a:stretch>
+            <a:fillRect/>
+          </a:stretch>
+        </p:blipFill>
+        <p:spPr bwMode="auto">
+          <a:xfrm>
+            <a:off x="232879" y="2060848"/>
+            <a:ext cx="5841418" cy="3222362"/>
+          </a:xfrm>
+          <a:prstGeom prst="rect">
+            <a:avLst/>
+          </a:prstGeom>
+          <a:noFill/>
+          <a:extLst>
+            <a:ext uri="{909E8E84-426E-40DD-AFC4-6F175D3DCCD1}">
+              <a14:hiddenFill xmlns:a14="http://schemas.microsoft.com/office/drawing/2010/main">
+                <a:solidFill>
+                  <a:srgbClr val="FFFFFF"/>
+                </a:solidFill>
+              </a14:hiddenFill>
+            </a:ext>
+          </a:extLst>
+        </p:spPr>
+      </p:pic>
+      <p:sp>
+        <p:nvSpPr>
+          <p:cNvPr id="10" name="TextBox 9">
+            <a:extLst>
+              <a:ext uri="{FF2B5EF4-FFF2-40B4-BE49-F238E27FC236}">
+                <a16:creationId xmlns:a16="http://schemas.microsoft.com/office/drawing/2014/main" id="{8FA622E4-C4C0-42CF-94B7-9DCBAB5E658A}"/>
+              </a:ext>
+            </a:extLst>
+          </p:cNvPr>
+          <p:cNvSpPr txBox="1"/>
+          <p:nvPr/>
+        </p:nvSpPr>
+        <p:spPr>
+          <a:xfrm>
+            <a:off x="119336" y="345430"/>
+            <a:ext cx="12192000" cy="923330"/>
+          </a:xfrm>
+          <a:prstGeom prst="rect">
+            <a:avLst/>
+          </a:prstGeom>
+          <a:noFill/>
+        </p:spPr>
+        <p:txBody>
+          <a:bodyPr wrap="square">
+            <a:spAutoFit/>
+          </a:bodyPr>
           <a:lstStyle/>
           <a:p>
             <a:pPr algn="ctr"/>
             <a:r>
-              <a:rPr lang="ru-RU" sz="6600" b="1" dirty="0"/>
+              <a:rPr lang="ru-RU" sz="5400" b="1" dirty="0"/>
               <a:t>На следующем занятии</a:t>
             </a:r>
-            <a:endParaRPr lang="uk-UA" sz="6600" b="1" dirty="0"/>
+            <a:endParaRPr lang="uk-UA" sz="5400" b="1" dirty="0"/>
           </a:p>
         </p:txBody>
       </p:sp>
     </p:spTree>
     <p:extLst>
       <p:ext uri="{BB962C8B-B14F-4D97-AF65-F5344CB8AC3E}">
-        <p14:creationId xmlns:p14="http://schemas.microsoft.com/office/powerpoint/2010/main" val="2717058134"/>
+        <p14:creationId xmlns:p14="http://schemas.microsoft.com/office/powerpoint/2010/main" val="3063730818"/>
       </p:ext>
     </p:extLst>
   </p:cSld>
@@ -12496,210 +12526,6 @@
     <p:extLst>
       <p:ext uri="{BB962C8B-B14F-4D97-AF65-F5344CB8AC3E}">
         <p14:creationId xmlns:p14="http://schemas.microsoft.com/office/powerpoint/2010/main" val="3139661526"/>
-      </p:ext>
-    </p:extLst>
-  </p:cSld>
-  <p:clrMapOvr>
-    <a:masterClrMapping/>
-  </p:clrMapOvr>
-</p:sld>
-</file>
-
-<file path=ppt/slides/slide30.xml><?xml version="1.0" encoding="utf-8"?>
-<p:sld xmlns:a="http://schemas.openxmlformats.org/drawingml/2006/main" xmlns:r="http://schemas.openxmlformats.org/officeDocument/2006/relationships" xmlns:p="http://schemas.openxmlformats.org/presentationml/2006/main">
-  <p:cSld>
-    <p:spTree>
-      <p:nvGrpSpPr>
-        <p:cNvPr id="1" name=""/>
-        <p:cNvGrpSpPr/>
-        <p:nvPr/>
-      </p:nvGrpSpPr>
-      <p:grpSpPr>
-        <a:xfrm>
-          <a:off x="0" y="0"/>
-          <a:ext cx="0" cy="0"/>
-          <a:chOff x="0" y="0"/>
-          <a:chExt cx="0" cy="0"/>
-        </a:xfrm>
-      </p:grpSpPr>
-      <p:sp>
-        <p:nvSpPr>
-          <p:cNvPr id="3" name="Прямоугольник 2"/>
-          <p:cNvSpPr/>
-          <p:nvPr/>
-        </p:nvSpPr>
-        <p:spPr>
-          <a:xfrm>
-            <a:off x="6096000" y="2204864"/>
-            <a:ext cx="6048672" cy="2862322"/>
-          </a:xfrm>
-          <a:prstGeom prst="rect">
-            <a:avLst/>
-          </a:prstGeom>
-        </p:spPr>
-        <p:txBody>
-          <a:bodyPr wrap="square">
-            <a:spAutoFit/>
-          </a:bodyPr>
-          <a:lstStyle/>
-          <a:p>
-            <a:r>
-              <a:rPr lang="ru-RU" sz="3600" b="1" dirty="0">
-                <a:solidFill>
-                  <a:srgbClr val="00B050"/>
-                </a:solidFill>
-              </a:rPr>
-              <a:t>Структура проекта</a:t>
-            </a:r>
-          </a:p>
-          <a:p>
-            <a:r>
-              <a:rPr lang="ru-RU" sz="3600" b="1" dirty="0" err="1">
-                <a:solidFill>
-                  <a:srgbClr val="0070C0"/>
-                </a:solidFill>
-              </a:rPr>
-              <a:t>Блочно</a:t>
-            </a:r>
-            <a:r>
-              <a:rPr lang="ru-RU" sz="3600" b="1" dirty="0">
-                <a:solidFill>
-                  <a:srgbClr val="0070C0"/>
-                </a:solidFill>
-              </a:rPr>
-              <a:t>/строчная модель документа </a:t>
-            </a:r>
-          </a:p>
-          <a:p>
-            <a:r>
-              <a:rPr lang="ru-RU" sz="3600" b="1" dirty="0">
-                <a:solidFill>
-                  <a:schemeClr val="accent6">
-                    <a:lumMod val="75000"/>
-                  </a:schemeClr>
-                </a:solidFill>
-              </a:rPr>
-              <a:t>Семантика </a:t>
-            </a:r>
-            <a:r>
-              <a:rPr lang="en-US" sz="3600" b="1" dirty="0">
-                <a:solidFill>
-                  <a:schemeClr val="accent6">
-                    <a:lumMod val="75000"/>
-                  </a:schemeClr>
-                </a:solidFill>
-              </a:rPr>
-              <a:t>HTML</a:t>
-            </a:r>
-            <a:endParaRPr lang="ru-RU" sz="3600" b="1" dirty="0">
-              <a:solidFill>
-                <a:schemeClr val="accent6">
-                  <a:lumMod val="75000"/>
-                </a:schemeClr>
-              </a:solidFill>
-            </a:endParaRPr>
-          </a:p>
-          <a:p>
-            <a:r>
-              <a:rPr lang="ru-RU" sz="3600" b="1" dirty="0">
-                <a:solidFill>
-                  <a:srgbClr val="7030A0"/>
-                </a:solidFill>
-              </a:rPr>
-              <a:t>Валидация разметки</a:t>
-            </a:r>
-            <a:endParaRPr lang="ru-RU" sz="3600" b="1" dirty="0"/>
-          </a:p>
-        </p:txBody>
-      </p:sp>
-      <p:pic>
-        <p:nvPicPr>
-          <p:cNvPr id="1026" name="Picture 2" descr="структура проекта">
-            <a:extLst>
-              <a:ext uri="{FF2B5EF4-FFF2-40B4-BE49-F238E27FC236}">
-                <a16:creationId xmlns:a16="http://schemas.microsoft.com/office/drawing/2014/main" id="{E98A6534-EC32-424A-B588-008EAFD5CF1D}"/>
-              </a:ext>
-            </a:extLst>
-          </p:cNvPr>
-          <p:cNvPicPr>
-            <a:picLocks noChangeAspect="1" noChangeArrowheads="1"/>
-          </p:cNvPicPr>
-          <p:nvPr/>
-        </p:nvPicPr>
-        <p:blipFill>
-          <a:blip r:embed="rId2">
-            <a:extLst>
-              <a:ext uri="{28A0092B-C50C-407E-A947-70E740481C1C}">
-                <a14:useLocalDpi xmlns:a14="http://schemas.microsoft.com/office/drawing/2010/main" val="0"/>
-              </a:ext>
-            </a:extLst>
-          </a:blip>
-          <a:srcRect/>
-          <a:stretch>
-            <a:fillRect/>
-          </a:stretch>
-        </p:blipFill>
-        <p:spPr bwMode="auto">
-          <a:xfrm>
-            <a:off x="232879" y="2060848"/>
-            <a:ext cx="5841418" cy="3222362"/>
-          </a:xfrm>
-          <a:prstGeom prst="rect">
-            <a:avLst/>
-          </a:prstGeom>
-          <a:noFill/>
-          <a:extLst>
-            <a:ext uri="{909E8E84-426E-40DD-AFC4-6F175D3DCCD1}">
-              <a14:hiddenFill xmlns:a14="http://schemas.microsoft.com/office/drawing/2010/main">
-                <a:solidFill>
-                  <a:srgbClr val="FFFFFF"/>
-                </a:solidFill>
-              </a14:hiddenFill>
-            </a:ext>
-          </a:extLst>
-        </p:spPr>
-      </p:pic>
-      <p:sp>
-        <p:nvSpPr>
-          <p:cNvPr id="10" name="TextBox 9">
-            <a:extLst>
-              <a:ext uri="{FF2B5EF4-FFF2-40B4-BE49-F238E27FC236}">
-                <a16:creationId xmlns:a16="http://schemas.microsoft.com/office/drawing/2014/main" id="{8FA622E4-C4C0-42CF-94B7-9DCBAB5E658A}"/>
-              </a:ext>
-            </a:extLst>
-          </p:cNvPr>
-          <p:cNvSpPr txBox="1"/>
-          <p:nvPr/>
-        </p:nvSpPr>
-        <p:spPr>
-          <a:xfrm>
-            <a:off x="119336" y="345430"/>
-            <a:ext cx="12192000" cy="923330"/>
-          </a:xfrm>
-          <a:prstGeom prst="rect">
-            <a:avLst/>
-          </a:prstGeom>
-          <a:noFill/>
-        </p:spPr>
-        <p:txBody>
-          <a:bodyPr wrap="square">
-            <a:spAutoFit/>
-          </a:bodyPr>
-          <a:lstStyle/>
-          <a:p>
-            <a:pPr algn="ctr"/>
-            <a:r>
-              <a:rPr lang="ru-RU" sz="5400" b="1" dirty="0"/>
-              <a:t>На следующем занятии</a:t>
-            </a:r>
-            <a:endParaRPr lang="uk-UA" sz="5400" b="1" dirty="0"/>
-          </a:p>
-        </p:txBody>
-      </p:sp>
-    </p:spTree>
-    <p:extLst>
-      <p:ext uri="{BB962C8B-B14F-4D97-AF65-F5344CB8AC3E}">
-        <p14:creationId xmlns:p14="http://schemas.microsoft.com/office/powerpoint/2010/main" val="3063730818"/>
       </p:ext>
     </p:extLst>
   </p:cSld>
